--- a/Python/6. Drawing-with-Loops/6. Drawing-with-Loops.pptx
+++ b/Python/6. Drawing-with-Loops/6. Drawing-with-Loops.pptx
@@ -251,7 +251,7 @@
             <a:fld id="{FE5B4EDC-59C0-49C7-8ADA-5A781B329E02}" type="datetimeFigureOut">
               <a:rPr lang="en-US"/>
               <a:pPr/>
-              <a:t>2/19/2017</a:t>
+              <a:t>2/28/2017</a:t>
             </a:fld>
             <a:endParaRPr dirty="0"/>
           </a:p>
@@ -450,7 +450,7 @@
             <a:fld id="{F2D8D46A-B586-417D-BFBD-8C8FE0AAF762}" type="datetimeFigureOut">
               <a:rPr lang="en-US" smtClean="0"/>
               <a:pPr/>
-              <a:t>2/19/2017</a:t>
+              <a:t>2/28/2017</a:t>
             </a:fld>
             <a:endParaRPr lang="en-US"/>
           </a:p>
@@ -2740,7 +2740,7 @@
             <a:fld id="{055373AC-9AA7-423B-BA00-BA1C74164DBD}" type="datetime1">
               <a:rPr lang="en-US" smtClean="0"/>
               <a:pPr/>
-              <a:t>2/19/2017</a:t>
+              <a:t>2/28/2017</a:t>
             </a:fld>
             <a:endParaRPr lang="en-US" dirty="0"/>
           </a:p>
@@ -4014,7 +4014,7 @@
             <a:fld id="{055373AC-9AA7-423B-BA00-BA1C74164DBD}" type="datetime1">
               <a:rPr lang="en-US" smtClean="0"/>
               <a:pPr/>
-              <a:t>2/19/2017</a:t>
+              <a:t>2/28/2017</a:t>
             </a:fld>
             <a:endParaRPr lang="en-US" dirty="0"/>
           </a:p>
@@ -5568,7 +5568,7 @@
         <p:spPr bwMode="auto">
           <a:xfrm>
             <a:off x="3083009" y="2261901"/>
-            <a:ext cx="8193002" cy="3133165"/>
+            <a:ext cx="8193002" cy="3191643"/>
           </a:xfrm>
           <a:prstGeom prst="rect">
             <a:avLst/>
@@ -5715,23 +5715,6 @@
               <a:buSzPct val="70000"/>
             </a:pPr>
             <a:r>
-              <a:rPr lang="en-US" sz="2600" b="1" noProof="1">
-                <a:solidFill>
-                  <a:srgbClr val="FBEEDC"/>
-                </a:solidFill>
-                <a:effectLst>
-                  <a:outerShdw blurRad="38100" dist="38100" dir="2700000" algn="tl">
-                    <a:srgbClr val="000000">
-                      <a:alpha val="43137"/>
-                    </a:srgbClr>
-                  </a:outerShdw>
-                </a:effectLst>
-                <a:latin typeface="Consolas" pitchFamily="49" charset="0"/>
-                <a:cs typeface="Consolas" pitchFamily="49" charset="0"/>
-              </a:rPr>
-              <a:t>        </a:t>
-            </a:r>
-            <a:r>
               <a:rPr lang="en-US" sz="2600" b="1" noProof="1" smtClean="0">
                 <a:solidFill>
                   <a:srgbClr val="FBEEDC"/>
@@ -5746,7 +5729,199 @@
                 <a:latin typeface="Consolas" pitchFamily="49" charset="0"/>
                 <a:cs typeface="Consolas" pitchFamily="49" charset="0"/>
               </a:rPr>
-              <a:t>sys.stdout.write(' ')</a:t>
+              <a:t>       </a:t>
+            </a:r>
+            <a:r>
+              <a:rPr lang="en-US" b="1" noProof="1" smtClean="0">
+                <a:solidFill>
+                  <a:srgbClr val="FBEEDC"/>
+                </a:solidFill>
+                <a:effectLst>
+                  <a:outerShdw blurRad="38100" dist="38100" dir="2700000" algn="tl">
+                    <a:srgbClr val="000000">
+                      <a:alpha val="43137"/>
+                    </a:srgbClr>
+                  </a:outerShdw>
+                </a:effectLst>
+                <a:latin typeface="Consolas" pitchFamily="49" charset="0"/>
+                <a:cs typeface="Consolas" pitchFamily="49" charset="0"/>
+              </a:rPr>
+              <a:t>print</a:t>
+            </a:r>
+            <a:r>
+              <a:rPr lang="en-US" b="1" noProof="1">
+                <a:solidFill>
+                  <a:srgbClr val="FBEEDC"/>
+                </a:solidFill>
+                <a:effectLst>
+                  <a:outerShdw blurRad="38100" dist="38100" dir="2700000" algn="tl">
+                    <a:srgbClr val="000000">
+                      <a:alpha val="43137"/>
+                    </a:srgbClr>
+                  </a:outerShdw>
+                </a:effectLst>
+                <a:latin typeface="Consolas" pitchFamily="49" charset="0"/>
+                <a:cs typeface="Consolas" pitchFamily="49" charset="0"/>
+              </a:rPr>
+              <a:t>(' </a:t>
+            </a:r>
+            <a:r>
+              <a:rPr lang="en-US" b="1" noProof="1" smtClean="0">
+                <a:solidFill>
+                  <a:srgbClr val="FBEEDC"/>
+                </a:solidFill>
+                <a:effectLst>
+                  <a:outerShdw blurRad="38100" dist="38100" dir="2700000" algn="tl">
+                    <a:srgbClr val="000000">
+                      <a:alpha val="43137"/>
+                    </a:srgbClr>
+                  </a:outerShdw>
+                </a:effectLst>
+                <a:latin typeface="Consolas" pitchFamily="49" charset="0"/>
+                <a:cs typeface="Consolas" pitchFamily="49" charset="0"/>
+              </a:rPr>
+              <a:t>', </a:t>
+            </a:r>
+            <a:r>
+              <a:rPr lang="en-US" b="1" noProof="1">
+                <a:solidFill>
+                  <a:srgbClr val="FBEEDC"/>
+                </a:solidFill>
+                <a:effectLst>
+                  <a:outerShdw blurRad="38100" dist="38100" dir="2700000" algn="tl">
+                    <a:srgbClr val="000000">
+                      <a:alpha val="43137"/>
+                    </a:srgbClr>
+                  </a:outerShdw>
+                </a:effectLst>
+                <a:latin typeface="Consolas" pitchFamily="49" charset="0"/>
+                <a:cs typeface="Consolas" pitchFamily="49" charset="0"/>
+              </a:rPr>
+              <a:t>end='')</a:t>
+            </a:r>
+            <a:endParaRPr lang="en-US" sz="2600" b="1" noProof="1" smtClean="0">
+              <a:solidFill>
+                <a:srgbClr val="FBEEDC"/>
+              </a:solidFill>
+              <a:effectLst>
+                <a:outerShdw blurRad="38100" dist="38100" dir="2700000" algn="tl">
+                  <a:srgbClr val="000000">
+                    <a:alpha val="43137"/>
+                  </a:srgbClr>
+                </a:outerShdw>
+              </a:effectLst>
+              <a:latin typeface="Consolas" pitchFamily="49" charset="0"/>
+              <a:cs typeface="Consolas" pitchFamily="49" charset="0"/>
+            </a:endParaRPr>
+          </a:p>
+          <a:p>
+            <a:pPr eaLnBrk="0" hangingPunct="0">
+              <a:lnSpc>
+                <a:spcPct val="95000"/>
+              </a:lnSpc>
+              <a:buClr>
+                <a:schemeClr val="accent5">
+                  <a:lumMod val="40000"/>
+                  <a:lumOff val="60000"/>
+                </a:schemeClr>
+              </a:buClr>
+              <a:buSzPct val="70000"/>
+            </a:pPr>
+            <a:r>
+              <a:rPr lang="en-US" sz="2600" b="1" noProof="1" smtClean="0">
+                <a:solidFill>
+                  <a:srgbClr val="FBEEDC"/>
+                </a:solidFill>
+                <a:effectLst>
+                  <a:outerShdw blurRad="38100" dist="38100" dir="2700000" algn="tl">
+                    <a:srgbClr val="000000">
+                      <a:alpha val="43137"/>
+                    </a:srgbClr>
+                  </a:outerShdw>
+                </a:effectLst>
+                <a:latin typeface="Consolas" pitchFamily="49" charset="0"/>
+                <a:cs typeface="Consolas" pitchFamily="49" charset="0"/>
+              </a:rPr>
+              <a:t>    </a:t>
+            </a:r>
+            <a:r>
+              <a:rPr lang="en-US" sz="2800" b="1" noProof="1" smtClean="0">
+                <a:solidFill>
+                  <a:srgbClr val="FBEEDC"/>
+                </a:solidFill>
+                <a:effectLst>
+                  <a:outerShdw blurRad="38100" dist="38100" dir="2700000" algn="tl">
+                    <a:srgbClr val="000000">
+                      <a:alpha val="43137"/>
+                    </a:srgbClr>
+                  </a:outerShdw>
+                </a:effectLst>
+                <a:latin typeface="Consolas" pitchFamily="49" charset="0"/>
+                <a:cs typeface="Consolas" pitchFamily="49" charset="0"/>
+              </a:rPr>
+              <a:t>print('*', </a:t>
+            </a:r>
+            <a:r>
+              <a:rPr lang="en-US" sz="2800" b="1" noProof="1">
+                <a:solidFill>
+                  <a:srgbClr val="FBEEDC"/>
+                </a:solidFill>
+                <a:effectLst>
+                  <a:outerShdw blurRad="38100" dist="38100" dir="2700000" algn="tl">
+                    <a:srgbClr val="000000">
+                      <a:alpha val="43137"/>
+                    </a:srgbClr>
+                  </a:outerShdw>
+                </a:effectLst>
+                <a:latin typeface="Consolas" pitchFamily="49" charset="0"/>
+                <a:cs typeface="Consolas" pitchFamily="49" charset="0"/>
+              </a:rPr>
+              <a:t>end='')</a:t>
+            </a:r>
+            <a:endParaRPr lang="en-US" sz="3200" b="1" noProof="1">
+              <a:solidFill>
+                <a:srgbClr val="FBEEDC"/>
+              </a:solidFill>
+              <a:effectLst>
+                <a:outerShdw blurRad="38100" dist="38100" dir="2700000" algn="tl">
+                  <a:srgbClr val="000000">
+                    <a:alpha val="43137"/>
+                  </a:srgbClr>
+                </a:outerShdw>
+              </a:effectLst>
+              <a:latin typeface="Consolas" pitchFamily="49" charset="0"/>
+              <a:cs typeface="Consolas" pitchFamily="49" charset="0"/>
+            </a:endParaRPr>
+          </a:p>
+          <a:p>
+            <a:pPr eaLnBrk="0" hangingPunct="0">
+              <a:lnSpc>
+                <a:spcPct val="95000"/>
+              </a:lnSpc>
+              <a:buClr>
+                <a:schemeClr val="accent5">
+                  <a:lumMod val="40000"/>
+                  <a:lumOff val="60000"/>
+                </a:schemeClr>
+              </a:buClr>
+              <a:buSzPct val="70000"/>
+            </a:pPr>
+            <a:r>
+              <a:rPr lang="en-US" sz="2600" b="1" noProof="1" smtClean="0">
+                <a:solidFill>
+                  <a:srgbClr val="FBEEDC"/>
+                </a:solidFill>
+                <a:effectLst>
+                  <a:outerShdw blurRad="38100" dist="38100" dir="2700000" algn="tl">
+                    <a:srgbClr val="000000">
+                      <a:alpha val="43137"/>
+                    </a:srgbClr>
+                  </a:outerShdw>
+                </a:effectLst>
+                <a:latin typeface="Consolas" pitchFamily="49" charset="0"/>
+                <a:cs typeface="Consolas" pitchFamily="49" charset="0"/>
+              </a:rPr>
+              <a:t>    for col in range(row):</a:t>
             </a:r>
             <a:endParaRPr lang="en-US" sz="2600" b="1" noProof="1">
               <a:solidFill>
@@ -5777,23 +5952,6 @@
               <a:buSzPct val="70000"/>
             </a:pPr>
             <a:r>
-              <a:rPr lang="en-US" sz="2600" b="1" noProof="1">
-                <a:solidFill>
-                  <a:srgbClr val="FBEEDC"/>
-                </a:solidFill>
-                <a:effectLst>
-                  <a:outerShdw blurRad="38100" dist="38100" dir="2700000" algn="tl">
-                    <a:srgbClr val="000000">
-                      <a:alpha val="43137"/>
-                    </a:srgbClr>
-                  </a:outerShdw>
-                </a:effectLst>
-                <a:latin typeface="Consolas" pitchFamily="49" charset="0"/>
-                <a:cs typeface="Consolas" pitchFamily="49" charset="0"/>
-              </a:rPr>
-              <a:t>    </a:t>
-            </a:r>
-            <a:r>
               <a:rPr lang="en-US" sz="2600" b="1" noProof="1" smtClean="0">
                 <a:solidFill>
                   <a:srgbClr val="FBEEDC"/>
@@ -5808,9 +5966,43 @@
                 <a:latin typeface="Consolas" pitchFamily="49" charset="0"/>
                 <a:cs typeface="Consolas" pitchFamily="49" charset="0"/>
               </a:rPr>
-              <a:t>sys.stdout.write('*')</a:t>
-            </a:r>
-            <a:endParaRPr lang="en-US" sz="2600" b="1" noProof="1">
+              <a:t>        </a:t>
+            </a:r>
+            <a:r>
+              <a:rPr lang="en-US" b="1" noProof="1" smtClean="0">
+                <a:solidFill>
+                  <a:srgbClr val="FBEEDC"/>
+                </a:solidFill>
+                <a:effectLst>
+                  <a:outerShdw blurRad="38100" dist="38100" dir="2700000" algn="tl">
+                    <a:srgbClr val="000000">
+                      <a:alpha val="43137"/>
+                    </a:srgbClr>
+                  </a:outerShdw>
+                </a:effectLst>
+                <a:latin typeface="Consolas" pitchFamily="49" charset="0"/>
+                <a:cs typeface="Consolas" pitchFamily="49" charset="0"/>
+              </a:rPr>
+              <a:t>print(' *', </a:t>
+            </a:r>
+            <a:r>
+              <a:rPr lang="en-US" b="1" noProof="1">
+                <a:solidFill>
+                  <a:srgbClr val="FBEEDC"/>
+                </a:solidFill>
+                <a:effectLst>
+                  <a:outerShdw blurRad="38100" dist="38100" dir="2700000" algn="tl">
+                    <a:srgbClr val="000000">
+                      <a:alpha val="43137"/>
+                    </a:srgbClr>
+                  </a:outerShdw>
+                </a:effectLst>
+                <a:latin typeface="Consolas" pitchFamily="49" charset="0"/>
+                <a:cs typeface="Consolas" pitchFamily="49" charset="0"/>
+              </a:rPr>
+              <a:t>end='')</a:t>
+            </a:r>
+            <a:endParaRPr lang="en-US" sz="2800" b="1" noProof="1">
               <a:solidFill>
                 <a:srgbClr val="FBEEDC"/>
               </a:solidFill>
@@ -5853,131 +6045,7 @@
                 <a:latin typeface="Consolas" pitchFamily="49" charset="0"/>
                 <a:cs typeface="Consolas" pitchFamily="49" charset="0"/>
               </a:rPr>
-              <a:t>    for col in range(row):</a:t>
-            </a:r>
-            <a:endParaRPr lang="en-US" sz="2600" b="1" noProof="1">
-              <a:solidFill>
-                <a:srgbClr val="FBEEDC"/>
-              </a:solidFill>
-              <a:effectLst>
-                <a:outerShdw blurRad="38100" dist="38100" dir="2700000" algn="tl">
-                  <a:srgbClr val="000000">
-                    <a:alpha val="43137"/>
-                  </a:srgbClr>
-                </a:outerShdw>
-              </a:effectLst>
-              <a:latin typeface="Consolas" pitchFamily="49" charset="0"/>
-              <a:cs typeface="Consolas" pitchFamily="49" charset="0"/>
-            </a:endParaRPr>
-          </a:p>
-          <a:p>
-            <a:pPr eaLnBrk="0" hangingPunct="0">
-              <a:lnSpc>
-                <a:spcPct val="95000"/>
-              </a:lnSpc>
-              <a:buClr>
-                <a:schemeClr val="accent5">
-                  <a:lumMod val="40000"/>
-                  <a:lumOff val="60000"/>
-                </a:schemeClr>
-              </a:buClr>
-              <a:buSzPct val="70000"/>
-            </a:pPr>
-            <a:r>
-              <a:rPr lang="en-US" sz="2600" b="1" noProof="1">
-                <a:solidFill>
-                  <a:srgbClr val="FBEEDC"/>
-                </a:solidFill>
-                <a:effectLst>
-                  <a:outerShdw blurRad="38100" dist="38100" dir="2700000" algn="tl">
-                    <a:srgbClr val="000000">
-                      <a:alpha val="43137"/>
-                    </a:srgbClr>
-                  </a:outerShdw>
-                </a:effectLst>
-                <a:latin typeface="Consolas" pitchFamily="49" charset="0"/>
-                <a:cs typeface="Consolas" pitchFamily="49" charset="0"/>
-              </a:rPr>
-              <a:t>        </a:t>
-            </a:r>
-            <a:r>
-              <a:rPr lang="en-US" sz="2600" b="1" noProof="1" smtClean="0">
-                <a:solidFill>
-                  <a:srgbClr val="FBEEDC"/>
-                </a:solidFill>
-                <a:effectLst>
-                  <a:outerShdw blurRad="38100" dist="38100" dir="2700000" algn="tl">
-                    <a:srgbClr val="000000">
-                      <a:alpha val="43137"/>
-                    </a:srgbClr>
-                  </a:outerShdw>
-                </a:effectLst>
-                <a:latin typeface="Consolas" pitchFamily="49" charset="0"/>
-                <a:cs typeface="Consolas" pitchFamily="49" charset="0"/>
-              </a:rPr>
-              <a:t>sys.stdout.write(' *')</a:t>
-            </a:r>
-            <a:endParaRPr lang="en-US" sz="2600" b="1" noProof="1">
-              <a:solidFill>
-                <a:srgbClr val="FBEEDC"/>
-              </a:solidFill>
-              <a:effectLst>
-                <a:outerShdw blurRad="38100" dist="38100" dir="2700000" algn="tl">
-                  <a:srgbClr val="000000">
-                    <a:alpha val="43137"/>
-                  </a:srgbClr>
-                </a:outerShdw>
-              </a:effectLst>
-              <a:latin typeface="Consolas" pitchFamily="49" charset="0"/>
-              <a:cs typeface="Consolas" pitchFamily="49" charset="0"/>
-            </a:endParaRPr>
-          </a:p>
-          <a:p>
-            <a:pPr eaLnBrk="0" hangingPunct="0">
-              <a:lnSpc>
-                <a:spcPct val="95000"/>
-              </a:lnSpc>
-              <a:buClr>
-                <a:schemeClr val="accent5">
-                  <a:lumMod val="40000"/>
-                  <a:lumOff val="60000"/>
-                </a:schemeClr>
-              </a:buClr>
-              <a:buSzPct val="70000"/>
-            </a:pPr>
-            <a:r>
-              <a:rPr lang="en-US" sz="2600" b="1" noProof="1">
-                <a:solidFill>
-                  <a:srgbClr val="FBEEDC"/>
-                </a:solidFill>
-                <a:effectLst>
-                  <a:outerShdw blurRad="38100" dist="38100" dir="2700000" algn="tl">
-                    <a:srgbClr val="000000">
-                      <a:alpha val="43137"/>
-                    </a:srgbClr>
-                  </a:outerShdw>
-                </a:effectLst>
-                <a:latin typeface="Consolas" pitchFamily="49" charset="0"/>
-                <a:cs typeface="Consolas" pitchFamily="49" charset="0"/>
-              </a:rPr>
-              <a:t>    </a:t>
-            </a:r>
-            <a:r>
-              <a:rPr lang="en-US" sz="2600" b="1" noProof="1" smtClean="0">
-                <a:solidFill>
-                  <a:srgbClr val="FBEEDC"/>
-                </a:solidFill>
-                <a:effectLst>
-                  <a:outerShdw blurRad="38100" dist="38100" dir="2700000" algn="tl">
-                    <a:srgbClr val="000000">
-                      <a:alpha val="43137"/>
-                    </a:srgbClr>
-                  </a:outerShdw>
-                </a:effectLst>
-                <a:latin typeface="Consolas" pitchFamily="49" charset="0"/>
-                <a:cs typeface="Consolas" pitchFamily="49" charset="0"/>
-              </a:rPr>
-              <a:t>print()</a:t>
+              <a:t>    print()</a:t>
             </a:r>
           </a:p>
           <a:p>
@@ -7959,7 +8027,7 @@
                 <a:latin typeface="Consolas" pitchFamily="49" charset="0"/>
                 <a:cs typeface="Consolas" pitchFamily="49" charset="0"/>
               </a:rPr>
-              <a:t>' ' * (n – i)</a:t>
+              <a:t>' ' * (n - i)</a:t>
             </a:r>
             <a:endParaRPr lang="en-US" sz="3000" b="1" noProof="1">
               <a:solidFill>
@@ -7992,7 +8060,7 @@
                 <a:latin typeface="Consolas" pitchFamily="49" charset="0"/>
                 <a:cs typeface="Consolas" pitchFamily="49" charset="0"/>
               </a:rPr>
-              <a:t>   sys.stdout.write(</a:t>
+              <a:t>   print(</a:t>
             </a:r>
             <a:r>
               <a:rPr lang="en-US" sz="3000" b="1" noProof="1" smtClean="0">
@@ -8028,7 +8096,7 @@
                 <a:latin typeface="Consolas" pitchFamily="49" charset="0"/>
                 <a:cs typeface="Consolas" pitchFamily="49" charset="0"/>
               </a:rPr>
-              <a:t>)</a:t>
+              <a:t>, end='')</a:t>
             </a:r>
             <a:endParaRPr lang="en-US" sz="3000" b="1" noProof="1">
               <a:solidFill>
@@ -8078,7 +8146,7 @@
                 <a:latin typeface="Consolas" pitchFamily="49" charset="0"/>
                 <a:cs typeface="Consolas" pitchFamily="49" charset="0"/>
               </a:rPr>
-              <a:t>sys.stdout.write(</a:t>
+              <a:t>print(</a:t>
             </a:r>
             <a:r>
               <a:rPr lang="en-US" sz="3000" b="1" noProof="1" smtClean="0">
@@ -8100,6 +8168,25 @@
               <a:t>stars</a:t>
             </a:r>
             <a:r>
+              <a:rPr lang="en-US" sz="3000" b="1" noProof="1">
+                <a:solidFill>
+                  <a:srgbClr val="FBEEE1"/>
+                </a:solidFill>
+                <a:effectLst>
+                  <a:outerShdw blurRad="38100" dist="38100" dir="2700000" algn="tl">
+                    <a:srgbClr val="000000">
+                      <a:alpha val="43137"/>
+                    </a:srgbClr>
+                  </a:outerShdw>
+                </a:effectLst>
+                <a:latin typeface="Consolas" pitchFamily="49" charset="0"/>
+                <a:cs typeface="Consolas" pitchFamily="49" charset="0"/>
+              </a:rPr>
+              <a:t>, end='')</a:t>
+            </a:r>
+          </a:p>
+          <a:p>
+            <a:r>
               <a:rPr lang="en-US" sz="3000" b="1" noProof="1" smtClean="0">
                 <a:solidFill>
                   <a:srgbClr val="FBEEE1"/>
@@ -8114,57 +8201,7 @@
                 <a:latin typeface="Consolas" pitchFamily="49" charset="0"/>
                 <a:cs typeface="Consolas" pitchFamily="49" charset="0"/>
               </a:rPr>
-              <a:t>)</a:t>
-            </a:r>
-            <a:endParaRPr lang="en-US" sz="3000" b="1" noProof="1">
-              <a:solidFill>
-                <a:srgbClr val="FBEEE1"/>
-              </a:solidFill>
-              <a:effectLst>
-                <a:outerShdw blurRad="38100" dist="38100" dir="2700000" algn="tl">
-                  <a:srgbClr val="000000">
-                    <a:alpha val="43137"/>
-                  </a:srgbClr>
-                </a:outerShdw>
-              </a:effectLst>
-              <a:latin typeface="Consolas" pitchFamily="49" charset="0"/>
-              <a:cs typeface="Consolas" pitchFamily="49" charset="0"/>
-            </a:endParaRPr>
-          </a:p>
-          <a:p>
-            <a:r>
-              <a:rPr lang="en-US" sz="3000" b="1" noProof="1">
-                <a:solidFill>
-                  <a:srgbClr val="FBEEE1"/>
-                </a:solidFill>
-                <a:effectLst>
-                  <a:outerShdw blurRad="38100" dist="38100" dir="2700000" algn="tl">
-                    <a:srgbClr val="000000">
-                      <a:alpha val="43137"/>
-                    </a:srgbClr>
-                  </a:outerShdw>
-                </a:effectLst>
-                <a:latin typeface="Consolas" pitchFamily="49" charset="0"/>
-                <a:cs typeface="Consolas" pitchFamily="49" charset="0"/>
-              </a:rPr>
-              <a:t>   </a:t>
-            </a:r>
-            <a:r>
-              <a:rPr lang="en-US" sz="3000" b="1" noProof="1" smtClean="0">
-                <a:solidFill>
-                  <a:srgbClr val="FBEEE1"/>
-                </a:solidFill>
-                <a:effectLst>
-                  <a:outerShdw blurRad="38100" dist="38100" dir="2700000" algn="tl">
-                    <a:srgbClr val="000000">
-                      <a:alpha val="43137"/>
-                    </a:srgbClr>
-                  </a:outerShdw>
-                </a:effectLst>
-                <a:latin typeface="Consolas" pitchFamily="49" charset="0"/>
-                <a:cs typeface="Consolas" pitchFamily="49" charset="0"/>
-              </a:rPr>
-              <a:t>sys.stdout.write('</a:t>
+              <a:t>   print('</a:t>
             </a:r>
             <a:r>
               <a:rPr lang="en-US" sz="3000" b="1" noProof="1" smtClean="0">
@@ -8205,6 +8242,25 @@
               <a:t>| </a:t>
             </a:r>
             <a:r>
+              <a:rPr lang="en-US" sz="3000" b="1" noProof="1">
+                <a:solidFill>
+                  <a:srgbClr val="FBEEE1"/>
+                </a:solidFill>
+                <a:effectLst>
+                  <a:outerShdw blurRad="38100" dist="38100" dir="2700000" algn="tl">
+                    <a:srgbClr val="000000">
+                      <a:alpha val="43137"/>
+                    </a:srgbClr>
+                  </a:outerShdw>
+                </a:effectLst>
+                <a:latin typeface="Consolas" pitchFamily="49" charset="0"/>
+                <a:cs typeface="Consolas" pitchFamily="49" charset="0"/>
+              </a:rPr>
+              <a:t>', end='')</a:t>
+            </a:r>
+          </a:p>
+          <a:p>
+            <a:r>
               <a:rPr lang="en-US" sz="3000" b="1" noProof="1" smtClean="0">
                 <a:solidFill>
                   <a:srgbClr val="FBEEE1"/>
@@ -8219,57 +8275,7 @@
                 <a:latin typeface="Consolas" pitchFamily="49" charset="0"/>
                 <a:cs typeface="Consolas" pitchFamily="49" charset="0"/>
               </a:rPr>
-              <a:t>')</a:t>
-            </a:r>
-            <a:endParaRPr lang="en-US" sz="3000" b="1" noProof="1">
-              <a:solidFill>
-                <a:srgbClr val="FBEEE1"/>
-              </a:solidFill>
-              <a:effectLst>
-                <a:outerShdw blurRad="38100" dist="38100" dir="2700000" algn="tl">
-                  <a:srgbClr val="000000">
-                    <a:alpha val="43137"/>
-                  </a:srgbClr>
-                </a:outerShdw>
-              </a:effectLst>
-              <a:latin typeface="Consolas" pitchFamily="49" charset="0"/>
-              <a:cs typeface="Consolas" pitchFamily="49" charset="0"/>
-            </a:endParaRPr>
-          </a:p>
-          <a:p>
-            <a:r>
-              <a:rPr lang="en-US" sz="3000" b="1" noProof="1">
-                <a:solidFill>
-                  <a:srgbClr val="FBEEE1"/>
-                </a:solidFill>
-                <a:effectLst>
-                  <a:outerShdw blurRad="38100" dist="38100" dir="2700000" algn="tl">
-                    <a:srgbClr val="000000">
-                      <a:alpha val="43137"/>
-                    </a:srgbClr>
-                  </a:outerShdw>
-                </a:effectLst>
-                <a:latin typeface="Consolas" pitchFamily="49" charset="0"/>
-                <a:cs typeface="Consolas" pitchFamily="49" charset="0"/>
-              </a:rPr>
-              <a:t>   </a:t>
-            </a:r>
-            <a:r>
-              <a:rPr lang="en-US" sz="3000" b="1" noProof="1" smtClean="0">
-                <a:solidFill>
-                  <a:srgbClr val="FBEEE1"/>
-                </a:solidFill>
-                <a:effectLst>
-                  <a:outerShdw blurRad="38100" dist="38100" dir="2700000" algn="tl">
-                    <a:srgbClr val="000000">
-                      <a:alpha val="43137"/>
-                    </a:srgbClr>
-                  </a:outerShdw>
-                </a:effectLst>
-                <a:latin typeface="Consolas" pitchFamily="49" charset="0"/>
-                <a:cs typeface="Consolas" pitchFamily="49" charset="0"/>
-              </a:rPr>
-              <a:t>sys.stdout.write(</a:t>
+              <a:t>   print(</a:t>
             </a:r>
             <a:r>
               <a:rPr lang="en-US" sz="3000" b="1" noProof="1" smtClean="0">
@@ -8291,6 +8297,25 @@
               <a:t>stars</a:t>
             </a:r>
             <a:r>
+              <a:rPr lang="en-US" sz="3000" b="1" noProof="1">
+                <a:solidFill>
+                  <a:srgbClr val="FBEEE1"/>
+                </a:solidFill>
+                <a:effectLst>
+                  <a:outerShdw blurRad="38100" dist="38100" dir="2700000" algn="tl">
+                    <a:srgbClr val="000000">
+                      <a:alpha val="43137"/>
+                    </a:srgbClr>
+                  </a:outerShdw>
+                </a:effectLst>
+                <a:latin typeface="Consolas" pitchFamily="49" charset="0"/>
+                <a:cs typeface="Consolas" pitchFamily="49" charset="0"/>
+              </a:rPr>
+              <a:t>, end='')</a:t>
+            </a:r>
+          </a:p>
+          <a:p>
+            <a:r>
               <a:rPr lang="en-US" sz="3000" b="1" noProof="1" smtClean="0">
                 <a:solidFill>
                   <a:srgbClr val="FBEEE1"/>
@@ -8305,57 +8330,7 @@
                 <a:latin typeface="Consolas" pitchFamily="49" charset="0"/>
                 <a:cs typeface="Consolas" pitchFamily="49" charset="0"/>
               </a:rPr>
-              <a:t>)</a:t>
-            </a:r>
-            <a:endParaRPr lang="en-US" sz="3000" b="1" noProof="1">
-              <a:solidFill>
-                <a:srgbClr val="FBEEE1"/>
-              </a:solidFill>
-              <a:effectLst>
-                <a:outerShdw blurRad="38100" dist="38100" dir="2700000" algn="tl">
-                  <a:srgbClr val="000000">
-                    <a:alpha val="43137"/>
-                  </a:srgbClr>
-                </a:outerShdw>
-              </a:effectLst>
-              <a:latin typeface="Consolas" pitchFamily="49" charset="0"/>
-              <a:cs typeface="Consolas" pitchFamily="49" charset="0"/>
-            </a:endParaRPr>
-          </a:p>
-          <a:p>
-            <a:r>
-              <a:rPr lang="en-US" sz="3000" b="1" noProof="1">
-                <a:solidFill>
-                  <a:srgbClr val="FBEEE1"/>
-                </a:solidFill>
-                <a:effectLst>
-                  <a:outerShdw blurRad="38100" dist="38100" dir="2700000" algn="tl">
-                    <a:srgbClr val="000000">
-                      <a:alpha val="43137"/>
-                    </a:srgbClr>
-                  </a:outerShdw>
-                </a:effectLst>
-                <a:latin typeface="Consolas" pitchFamily="49" charset="0"/>
-                <a:cs typeface="Consolas" pitchFamily="49" charset="0"/>
-              </a:rPr>
-              <a:t>   </a:t>
-            </a:r>
-            <a:r>
-              <a:rPr lang="en-US" sz="3000" b="1" noProof="1" smtClean="0">
-                <a:solidFill>
-                  <a:srgbClr val="FBEEE1"/>
-                </a:solidFill>
-                <a:effectLst>
-                  <a:outerShdw blurRad="38100" dist="38100" dir="2700000" algn="tl">
-                    <a:srgbClr val="000000">
-                      <a:alpha val="43137"/>
-                    </a:srgbClr>
-                  </a:outerShdw>
-                </a:effectLst>
-                <a:latin typeface="Consolas" pitchFamily="49" charset="0"/>
-                <a:cs typeface="Consolas" pitchFamily="49" charset="0"/>
-              </a:rPr>
-              <a:t>print(</a:t>
+              <a:t>   print(</a:t>
             </a:r>
             <a:r>
               <a:rPr lang="en-US" sz="3000" b="1" noProof="1" smtClean="0">
@@ -10551,7 +10526,7 @@
         <p:spPr bwMode="auto">
           <a:xfrm>
             <a:off x="760414" y="1095208"/>
-            <a:ext cx="10667998" cy="4526981"/>
+            <a:ext cx="10667998" cy="4650092"/>
           </a:xfrm>
           <a:prstGeom prst="rect">
             <a:avLst/>
@@ -10652,7 +10627,7 @@
                 <a:latin typeface="Consolas" pitchFamily="49" charset="0"/>
                 <a:cs typeface="Consolas" pitchFamily="49" charset="0"/>
               </a:rPr>
-              <a:t>sys.stdout.write('</a:t>
+              <a:t>print('</a:t>
             </a:r>
             <a:r>
               <a:rPr lang="en-US" sz="2600" b="1" noProof="1" smtClean="0">
@@ -10707,11 +10682,30 @@
                 <a:latin typeface="Consolas" pitchFamily="49" charset="0"/>
                 <a:cs typeface="Consolas" pitchFamily="49" charset="0"/>
               </a:rPr>
-              <a:t>2 * n</a:t>
+              <a:t>2 * </a:t>
             </a:r>
             <a:r>
               <a:rPr lang="en-US" sz="2600" b="1" noProof="1" smtClean="0">
                 <a:solidFill>
+                  <a:schemeClr val="tx2">
+                    <a:lumMod val="75000"/>
+                  </a:schemeClr>
+                </a:solidFill>
+                <a:effectLst>
+                  <a:outerShdw blurRad="38100" dist="38100" dir="2700000" algn="tl">
+                    <a:srgbClr val="000000">
+                      <a:alpha val="43137"/>
+                    </a:srgbClr>
+                  </a:outerShdw>
+                </a:effectLst>
+                <a:latin typeface="Consolas" pitchFamily="49" charset="0"/>
+                <a:cs typeface="Consolas" pitchFamily="49" charset="0"/>
+              </a:rPr>
+              <a:t>n</a:t>
+            </a:r>
+            <a:r>
+              <a:rPr lang="en-US" sz="2800" b="1" noProof="1">
+                <a:solidFill>
                   <a:srgbClr val="FBEEE1"/>
                 </a:solidFill>
                 <a:effectLst>
@@ -10724,7 +10718,24 @@
                 <a:latin typeface="Consolas" pitchFamily="49" charset="0"/>
                 <a:cs typeface="Consolas" pitchFamily="49" charset="0"/>
               </a:rPr>
-              <a:t>)</a:t>
+              <a:t>, end</a:t>
+            </a:r>
+            <a:r>
+              <a:rPr lang="en-US" sz="2800" b="1" noProof="1" smtClean="0">
+                <a:solidFill>
+                  <a:srgbClr val="FBEEE1"/>
+                </a:solidFill>
+                <a:effectLst>
+                  <a:outerShdw blurRad="38100" dist="38100" dir="2700000" algn="tl">
+                    <a:srgbClr val="000000">
+                      <a:alpha val="43137"/>
+                    </a:srgbClr>
+                  </a:outerShdw>
+                </a:effectLst>
+                <a:latin typeface="Consolas" pitchFamily="49" charset="0"/>
+                <a:cs typeface="Consolas" pitchFamily="49" charset="0"/>
+              </a:rPr>
+              <a:t>='')</a:t>
             </a:r>
             <a:endParaRPr lang="en-US" sz="2600" b="1" noProof="1">
               <a:solidFill>
@@ -10757,7 +10768,7 @@
                 <a:latin typeface="Consolas" pitchFamily="49" charset="0"/>
                 <a:cs typeface="Consolas" pitchFamily="49" charset="0"/>
               </a:rPr>
-              <a:t>sys.stdout.write('</a:t>
+              <a:t>print('</a:t>
             </a:r>
             <a:r>
               <a:rPr lang="en-US" sz="2600" b="1" noProof="1" smtClean="0">
@@ -10815,7 +10826,7 @@
               <a:t>n</a:t>
             </a:r>
             <a:r>
-              <a:rPr lang="en-US" sz="2600" b="1" noProof="1" smtClean="0">
+              <a:rPr lang="en-US" sz="2800" b="1" noProof="1">
                 <a:solidFill>
                   <a:srgbClr val="FBEEE1"/>
                 </a:solidFill>
@@ -10829,7 +10840,24 @@
                 <a:latin typeface="Consolas" pitchFamily="49" charset="0"/>
                 <a:cs typeface="Consolas" pitchFamily="49" charset="0"/>
               </a:rPr>
-              <a:t>)</a:t>
+              <a:t>, end</a:t>
+            </a:r>
+            <a:r>
+              <a:rPr lang="en-US" sz="2800" b="1" noProof="1" smtClean="0">
+                <a:solidFill>
+                  <a:srgbClr val="FBEEE1"/>
+                </a:solidFill>
+                <a:effectLst>
+                  <a:outerShdw blurRad="38100" dist="38100" dir="2700000" algn="tl">
+                    <a:srgbClr val="000000">
+                      <a:alpha val="43137"/>
+                    </a:srgbClr>
+                  </a:outerShdw>
+                </a:effectLst>
+                <a:latin typeface="Consolas" pitchFamily="49" charset="0"/>
+                <a:cs typeface="Consolas" pitchFamily="49" charset="0"/>
+              </a:rPr>
+              <a:t>='')</a:t>
             </a:r>
             <a:endParaRPr lang="en-US" sz="2600" b="1" noProof="1">
               <a:solidFill>
@@ -11183,7 +11211,7 @@
                 <a:latin typeface="Consolas" pitchFamily="49" charset="0"/>
                 <a:cs typeface="Consolas" pitchFamily="49" charset="0"/>
               </a:rPr>
-              <a:t>sys.stdout.write('</a:t>
+              <a:t>print('</a:t>
             </a:r>
             <a:r>
               <a:rPr lang="en-US" sz="2600" b="1" noProof="1">
@@ -11241,6 +11269,39 @@
               <a:t>2 * n</a:t>
             </a:r>
             <a:r>
+              <a:rPr lang="en-US" sz="2800" b="1" noProof="1">
+                <a:solidFill>
+                  <a:srgbClr val="FBEEE1"/>
+                </a:solidFill>
+                <a:effectLst>
+                  <a:outerShdw blurRad="38100" dist="38100" dir="2700000" algn="tl">
+                    <a:srgbClr val="000000">
+                      <a:alpha val="43137"/>
+                    </a:srgbClr>
+                  </a:outerShdw>
+                </a:effectLst>
+                <a:latin typeface="Consolas" pitchFamily="49" charset="0"/>
+                <a:cs typeface="Consolas" pitchFamily="49" charset="0"/>
+              </a:rPr>
+              <a:t>, end='')</a:t>
+            </a:r>
+            <a:endParaRPr lang="en-US" sz="2600" b="1" noProof="1">
+              <a:solidFill>
+                <a:srgbClr val="FBEEE1"/>
+              </a:solidFill>
+              <a:effectLst>
+                <a:outerShdw blurRad="38100" dist="38100" dir="2700000" algn="tl">
+                  <a:srgbClr val="000000">
+                    <a:alpha val="43137"/>
+                  </a:srgbClr>
+                </a:outerShdw>
+              </a:effectLst>
+              <a:latin typeface="Consolas" pitchFamily="49" charset="0"/>
+              <a:cs typeface="Consolas" pitchFamily="49" charset="0"/>
+            </a:endParaRPr>
+          </a:p>
+          <a:p>
+            <a:r>
               <a:rPr lang="en-US" sz="2600" b="1" noProof="1">
                 <a:solidFill>
                   <a:srgbClr val="FBEEE1"/>
@@ -11255,26 +11316,7 @@
                 <a:latin typeface="Consolas" pitchFamily="49" charset="0"/>
                 <a:cs typeface="Consolas" pitchFamily="49" charset="0"/>
               </a:rPr>
-              <a:t>)</a:t>
-            </a:r>
-          </a:p>
-          <a:p>
-            <a:r>
-              <a:rPr lang="en-US" sz="2600" b="1" noProof="1">
-                <a:solidFill>
-                  <a:srgbClr val="FBEEE1"/>
-                </a:solidFill>
-                <a:effectLst>
-                  <a:outerShdw blurRad="38100" dist="38100" dir="2700000" algn="tl">
-                    <a:srgbClr val="000000">
-                      <a:alpha val="43137"/>
-                    </a:srgbClr>
-                  </a:outerShdw>
-                </a:effectLst>
-                <a:latin typeface="Consolas" pitchFamily="49" charset="0"/>
-                <a:cs typeface="Consolas" pitchFamily="49" charset="0"/>
-              </a:rPr>
-              <a:t>sys.stdout.write('</a:t>
+              <a:t>print('</a:t>
             </a:r>
             <a:r>
               <a:rPr lang="en-US" sz="2600" b="1" noProof="1">
@@ -11332,7 +11374,7 @@
               <a:t>n</a:t>
             </a:r>
             <a:r>
-              <a:rPr lang="en-US" sz="2600" b="1" noProof="1">
+              <a:rPr lang="en-US" sz="2800" b="1" noProof="1">
                 <a:solidFill>
                   <a:srgbClr val="FBEEE1"/>
                 </a:solidFill>
@@ -11346,8 +11388,22 @@
                 <a:latin typeface="Consolas" pitchFamily="49" charset="0"/>
                 <a:cs typeface="Consolas" pitchFamily="49" charset="0"/>
               </a:rPr>
-              <a:t>)</a:t>
-            </a:r>
+              <a:t>, end='')</a:t>
+            </a:r>
+            <a:endParaRPr lang="en-US" sz="2600" b="1" noProof="1">
+              <a:solidFill>
+                <a:srgbClr val="FBEEE1"/>
+              </a:solidFill>
+              <a:effectLst>
+                <a:outerShdw blurRad="38100" dist="38100" dir="2700000" algn="tl">
+                  <a:srgbClr val="000000">
+                    <a:alpha val="43137"/>
+                  </a:srgbClr>
+                </a:outerShdw>
+              </a:effectLst>
+              <a:latin typeface="Consolas" pitchFamily="49" charset="0"/>
+              <a:cs typeface="Consolas" pitchFamily="49" charset="0"/>
+            </a:endParaRPr>
           </a:p>
           <a:p>
             <a:r>
@@ -11921,7 +11977,7 @@
                 <a:latin typeface="Consolas" pitchFamily="49" charset="0"/>
                 <a:cs typeface="Consolas" pitchFamily="49" charset="0"/>
               </a:rPr>
-              <a:t>for (int i = </a:t>
+              <a:t>for </a:t>
             </a:r>
             <a:r>
               <a:rPr lang="nn-NO" sz="2600" b="1" noProof="1" smtClean="0">
@@ -11938,10 +11994,10 @@
                 <a:latin typeface="Consolas" pitchFamily="49" charset="0"/>
                 <a:cs typeface="Consolas" pitchFamily="49" charset="0"/>
               </a:rPr>
-              <a:t>0 </a:t>
-            </a:r>
-            <a:r>
-              <a:rPr lang="nn-NO" sz="2600" b="1" noProof="1">
+              <a:t>i in range(n</a:t>
+            </a:r>
+            <a:r>
+              <a:rPr lang="en-US" sz="2600" b="1" noProof="1" smtClean="0">
                 <a:solidFill>
                   <a:srgbClr val="FBEEE1"/>
                 </a:solidFill>
@@ -11955,58 +12011,7 @@
                 <a:latin typeface="Consolas" pitchFamily="49" charset="0"/>
                 <a:cs typeface="Consolas" pitchFamily="49" charset="0"/>
               </a:rPr>
-              <a:t>i &lt; n - </a:t>
-            </a:r>
-            <a:r>
-              <a:rPr lang="nn-NO" sz="2600" b="1" noProof="1" smtClean="0">
-                <a:solidFill>
-                  <a:srgbClr val="FBEEE1"/>
-                </a:solidFill>
-                <a:effectLst>
-                  <a:outerShdw blurRad="38100" dist="38100" dir="2700000" algn="tl">
-                    <a:srgbClr val="000000">
-                      <a:alpha val="43137"/>
-                    </a:srgbClr>
-                  </a:outerShdw>
-                </a:effectLst>
-                <a:latin typeface="Consolas" pitchFamily="49" charset="0"/>
-                <a:cs typeface="Consolas" pitchFamily="49" charset="0"/>
-              </a:rPr>
-              <a:t>2 </a:t>
-            </a:r>
-            <a:r>
-              <a:rPr lang="nn-NO" sz="2600" b="1" noProof="1">
-                <a:solidFill>
-                  <a:srgbClr val="FBEEE1"/>
-                </a:solidFill>
-                <a:effectLst>
-                  <a:outerShdw blurRad="38100" dist="38100" dir="2700000" algn="tl">
-                    <a:srgbClr val="000000">
-                      <a:alpha val="43137"/>
-                    </a:srgbClr>
-                  </a:outerShdw>
-                </a:effectLst>
-                <a:latin typeface="Consolas" pitchFamily="49" charset="0"/>
-                <a:cs typeface="Consolas" pitchFamily="49" charset="0"/>
-              </a:rPr>
-              <a:t>i</a:t>
-            </a:r>
-            <a:r>
-              <a:rPr lang="nn-NO" sz="2600" b="1" noProof="1" smtClean="0">
-                <a:solidFill>
-                  <a:srgbClr val="FBEEE1"/>
-                </a:solidFill>
-                <a:effectLst>
-                  <a:outerShdw blurRad="38100" dist="38100" dir="2700000" algn="tl">
-                    <a:srgbClr val="000000">
-                      <a:alpha val="43137"/>
-                    </a:srgbClr>
-                  </a:outerShdw>
-                </a:effectLst>
-                <a:latin typeface="Consolas" pitchFamily="49" charset="0"/>
-                <a:cs typeface="Consolas" pitchFamily="49" charset="0"/>
-              </a:rPr>
-              <a:t>++):</a:t>
+              <a:t>-2):</a:t>
             </a:r>
             <a:endParaRPr lang="nn-NO" sz="2600" b="1" noProof="1">
               <a:solidFill>
@@ -12042,7 +12047,7 @@
               <a:t>   </a:t>
             </a:r>
             <a:r>
-              <a:rPr lang="nn-NO" sz="2600" b="1" noProof="1" smtClean="0">
+              <a:rPr lang="nn-NO" sz="2600" b="1" noProof="1">
                 <a:solidFill>
                   <a:schemeClr val="tx2">
                     <a:lumMod val="75000"/>
@@ -12058,7 +12063,26 @@
                 <a:latin typeface="Consolas" pitchFamily="49" charset="0"/>
                 <a:cs typeface="Consolas" pitchFamily="49" charset="0"/>
               </a:rPr>
-              <a:t>// TODO: </a:t>
+              <a:t>#</a:t>
+            </a:r>
+            <a:r>
+              <a:rPr lang="nn-NO" sz="2600" b="1" noProof="1" smtClean="0">
+                <a:solidFill>
+                  <a:schemeClr val="tx2">
+                    <a:lumMod val="75000"/>
+                  </a:schemeClr>
+                </a:solidFill>
+                <a:effectLst>
+                  <a:outerShdw blurRad="38100" dist="38100" dir="2700000" algn="tl">
+                    <a:srgbClr val="000000">
+                      <a:alpha val="43137"/>
+                    </a:srgbClr>
+                  </a:outerShdw>
+                </a:effectLst>
+                <a:latin typeface="Consolas" pitchFamily="49" charset="0"/>
+                <a:cs typeface="Consolas" pitchFamily="49" charset="0"/>
+              </a:rPr>
+              <a:t> TODO: </a:t>
             </a:r>
             <a:r>
               <a:rPr lang="nn-NO" sz="2600" b="1" i="1" noProof="1" smtClean="0">
@@ -12207,7 +12231,7 @@
                 <a:latin typeface="Consolas" pitchFamily="49" charset="0"/>
                 <a:cs typeface="Consolas" pitchFamily="49" charset="0"/>
               </a:rPr>
-              <a:t>== (n-1) / 2 </a:t>
+              <a:t>== (n-1) / 2 -</a:t>
             </a:r>
             <a:r>
               <a:rPr lang="nn-NO" sz="2600" b="1" noProof="1" smtClean="0">
@@ -12224,7 +12248,7 @@
                 <a:latin typeface="Consolas" pitchFamily="49" charset="0"/>
                 <a:cs typeface="Consolas" pitchFamily="49" charset="0"/>
               </a:rPr>
-              <a:t>– 1:</a:t>
+              <a:t> 1:</a:t>
             </a:r>
             <a:endParaRPr lang="nn-NO" sz="2600" b="1" noProof="1">
               <a:solidFill>
@@ -12274,7 +12298,41 @@
                 <a:latin typeface="Consolas" pitchFamily="49" charset="0"/>
                 <a:cs typeface="Consolas" pitchFamily="49" charset="0"/>
               </a:rPr>
-              <a:t>   sys.stdout.write('</a:t>
+              <a:t>   </a:t>
+            </a:r>
+            <a:r>
+              <a:rPr lang="en-US" sz="2600" b="1" noProof="1" smtClean="0">
+                <a:solidFill>
+                  <a:srgbClr val="FBEEE1"/>
+                </a:solidFill>
+                <a:effectLst>
+                  <a:outerShdw blurRad="38100" dist="38100" dir="2700000" algn="tl">
+                    <a:srgbClr val="000000">
+                      <a:alpha val="43137"/>
+                    </a:srgbClr>
+                  </a:outerShdw>
+                </a:effectLst>
+                <a:latin typeface="Consolas" pitchFamily="49" charset="0"/>
+                <a:cs typeface="Consolas" pitchFamily="49" charset="0"/>
+              </a:rPr>
+              <a:t>print</a:t>
+            </a:r>
+            <a:r>
+              <a:rPr lang="nn-NO" sz="2600" b="1" noProof="1" smtClean="0">
+                <a:solidFill>
+                  <a:srgbClr val="FBEEE1"/>
+                </a:solidFill>
+                <a:effectLst>
+                  <a:outerShdw blurRad="38100" dist="38100" dir="2700000" algn="tl">
+                    <a:srgbClr val="000000">
+                      <a:alpha val="43137"/>
+                    </a:srgbClr>
+                  </a:outerShdw>
+                </a:effectLst>
+                <a:latin typeface="Consolas" pitchFamily="49" charset="0"/>
+                <a:cs typeface="Consolas" pitchFamily="49" charset="0"/>
+              </a:rPr>
+              <a:t>('</a:t>
             </a:r>
             <a:r>
               <a:rPr lang="nn-NO" sz="2600" b="1" noProof="1" smtClean="0">
@@ -12310,10 +12368,10 @@
                 <a:latin typeface="Consolas" pitchFamily="49" charset="0"/>
                 <a:cs typeface="Consolas" pitchFamily="49" charset="0"/>
               </a:rPr>
-              <a:t>' * </a:t>
-            </a:r>
-            <a:r>
-              <a:rPr lang="nn-NO" sz="2600" b="1" noProof="1">
+              <a:t>' * n</a:t>
+            </a:r>
+            <a:r>
+              <a:rPr lang="en-US" b="1" noProof="1">
                 <a:solidFill>
                   <a:srgbClr val="FBEEE1"/>
                 </a:solidFill>
@@ -12327,10 +12385,10 @@
                 <a:latin typeface="Consolas" pitchFamily="49" charset="0"/>
                 <a:cs typeface="Consolas" pitchFamily="49" charset="0"/>
               </a:rPr>
-              <a:t>n</a:t>
-            </a:r>
-            <a:r>
-              <a:rPr lang="nn-NO" sz="2600" b="1" noProof="1" smtClean="0">
+              <a:t>, end</a:t>
+            </a:r>
+            <a:r>
+              <a:rPr lang="en-US" b="1" noProof="1" smtClean="0">
                 <a:solidFill>
                   <a:srgbClr val="FBEEE1"/>
                 </a:solidFill>
@@ -12344,7 +12402,7 @@
                 <a:latin typeface="Consolas" pitchFamily="49" charset="0"/>
                 <a:cs typeface="Consolas" pitchFamily="49" charset="0"/>
               </a:rPr>
-              <a:t>)</a:t>
+              <a:t>='')</a:t>
             </a:r>
             <a:endParaRPr lang="nn-NO" sz="2600" b="1" noProof="1">
               <a:solidFill>
@@ -12444,10 +12502,10 @@
                 <a:latin typeface="Consolas" pitchFamily="49" charset="0"/>
                 <a:cs typeface="Consolas" pitchFamily="49" charset="0"/>
               </a:rPr>
-              <a:t>   sys.stdout.write(' ' * </a:t>
-            </a:r>
-            <a:r>
-              <a:rPr lang="nn-NO" sz="2600" b="1" noProof="1">
+              <a:t>   print(' ' * n</a:t>
+            </a:r>
+            <a:r>
+              <a:rPr lang="en-US" b="1" noProof="1">
                 <a:solidFill>
                   <a:srgbClr val="FBEEE1"/>
                 </a:solidFill>
@@ -12461,10 +12519,10 @@
                 <a:latin typeface="Consolas" pitchFamily="49" charset="0"/>
                 <a:cs typeface="Consolas" pitchFamily="49" charset="0"/>
               </a:rPr>
-              <a:t>n</a:t>
-            </a:r>
-            <a:r>
-              <a:rPr lang="nn-NO" sz="2600" b="1" noProof="1" smtClean="0">
+              <a:t>, end</a:t>
+            </a:r>
+            <a:r>
+              <a:rPr lang="en-US" b="1" noProof="1" smtClean="0">
                 <a:solidFill>
                   <a:srgbClr val="FBEEE1"/>
                 </a:solidFill>
@@ -12478,7 +12536,7 @@
                 <a:latin typeface="Consolas" pitchFamily="49" charset="0"/>
                 <a:cs typeface="Consolas" pitchFamily="49" charset="0"/>
               </a:rPr>
-              <a:t>)</a:t>
+              <a:t>='')</a:t>
             </a:r>
             <a:endParaRPr lang="nn-NO" sz="2600" b="1" noProof="1">
               <a:solidFill>
@@ -14360,7 +14418,7 @@
         <p:spPr bwMode="auto">
           <a:xfrm>
             <a:off x="622414" y="895930"/>
-            <a:ext cx="10943998" cy="5727310"/>
+            <a:ext cx="10943998" cy="5788865"/>
           </a:xfrm>
           <a:prstGeom prst="rect">
             <a:avLst/>
@@ -14788,10 +14846,10 @@
                 <a:latin typeface="Consolas" pitchFamily="49" charset="0"/>
                 <a:cs typeface="Consolas" pitchFamily="49" charset="0"/>
               </a:rPr>
-              <a:t>  sys.stdout.write('-' * </a:t>
-            </a:r>
-            <a:r>
-              <a:rPr lang="en-US" sz="2600" b="1" noProof="1">
+              <a:t>  print('-' * padding</a:t>
+            </a:r>
+            <a:r>
+              <a:rPr lang="en-US" sz="2800" b="1" noProof="1">
                 <a:solidFill>
                   <a:srgbClr val="FBEEE1"/>
                 </a:solidFill>
@@ -14805,10 +14863,10 @@
                 <a:latin typeface="Consolas" pitchFamily="49" charset="0"/>
                 <a:cs typeface="Consolas" pitchFamily="49" charset="0"/>
               </a:rPr>
-              <a:t>padding</a:t>
-            </a:r>
-            <a:r>
-              <a:rPr lang="en-US" sz="2600" b="1" noProof="1" smtClean="0">
+              <a:t>, end</a:t>
+            </a:r>
+            <a:r>
+              <a:rPr lang="en-US" sz="2800" b="1" noProof="1" smtClean="0">
                 <a:solidFill>
                   <a:srgbClr val="FBEEE1"/>
                 </a:solidFill>
@@ -14822,7 +14880,7 @@
                 <a:latin typeface="Consolas" pitchFamily="49" charset="0"/>
                 <a:cs typeface="Consolas" pitchFamily="49" charset="0"/>
               </a:rPr>
-              <a:t>)</a:t>
+              <a:t>='')</a:t>
             </a:r>
             <a:endParaRPr lang="en-US" sz="2600" b="1" noProof="1">
               <a:solidFill>
@@ -14855,10 +14913,10 @@
                 <a:latin typeface="Consolas" pitchFamily="49" charset="0"/>
                 <a:cs typeface="Consolas" pitchFamily="49" charset="0"/>
               </a:rPr>
-              <a:t>  sys.stdout.write('*' * </a:t>
-            </a:r>
-            <a:r>
-              <a:rPr lang="en-US" sz="2600" b="1" noProof="1">
+              <a:t>  print('*' * stars</a:t>
+            </a:r>
+            <a:r>
+              <a:rPr lang="en-US" sz="2800" b="1" noProof="1">
                 <a:solidFill>
                   <a:srgbClr val="FBEEE1"/>
                 </a:solidFill>
@@ -14872,10 +14930,10 @@
                 <a:latin typeface="Consolas" pitchFamily="49" charset="0"/>
                 <a:cs typeface="Consolas" pitchFamily="49" charset="0"/>
               </a:rPr>
-              <a:t>stars</a:t>
-            </a:r>
-            <a:r>
-              <a:rPr lang="en-US" sz="2600" b="1" noProof="1" smtClean="0">
+              <a:t>, end</a:t>
+            </a:r>
+            <a:r>
+              <a:rPr lang="en-US" sz="2800" b="1" noProof="1" smtClean="0">
                 <a:solidFill>
                   <a:srgbClr val="FBEEE1"/>
                 </a:solidFill>
@@ -14889,7 +14947,7 @@
                 <a:latin typeface="Consolas" pitchFamily="49" charset="0"/>
                 <a:cs typeface="Consolas" pitchFamily="49" charset="0"/>
               </a:rPr>
-              <a:t>)</a:t>
+              <a:t>='')</a:t>
             </a:r>
             <a:endParaRPr lang="en-US" sz="2600" b="1" noProof="1">
               <a:solidFill>
@@ -19230,7 +19288,7 @@
         <p:spPr bwMode="auto">
           <a:xfrm>
             <a:off x="760414" y="1143000"/>
-            <a:ext cx="10667998" cy="5388756"/>
+            <a:ext cx="10667998" cy="5450311"/>
           </a:xfrm>
           <a:prstGeom prst="rect">
             <a:avLst/>
@@ -19460,8 +19518,116 @@
                 <a:latin typeface="Consolas" pitchFamily="49" charset="0"/>
                 <a:cs typeface="Consolas" pitchFamily="49" charset="0"/>
               </a:rPr>
-              <a:t>  sys.stdout.write('-' * leftRight)</a:t>
-            </a:r>
+              <a:t>  print('-' * leftRight, </a:t>
+            </a:r>
+            <a:r>
+              <a:rPr lang="en-US" b="1" noProof="1">
+                <a:solidFill>
+                  <a:srgbClr val="FBEEE1"/>
+                </a:solidFill>
+                <a:effectLst>
+                  <a:outerShdw blurRad="38100" dist="38100" dir="2700000" algn="tl">
+                    <a:srgbClr val="000000">
+                      <a:alpha val="43137"/>
+                    </a:srgbClr>
+                  </a:outerShdw>
+                </a:effectLst>
+                <a:latin typeface="Consolas" pitchFamily="49" charset="0"/>
+                <a:cs typeface="Consolas" pitchFamily="49" charset="0"/>
+              </a:rPr>
+              <a:t>end='')</a:t>
+            </a:r>
+          </a:p>
+          <a:p>
+            <a:r>
+              <a:rPr lang="en-US" b="1" noProof="1" smtClean="0">
+                <a:solidFill>
+                  <a:srgbClr val="FBEEE1"/>
+                </a:solidFill>
+                <a:effectLst>
+                  <a:outerShdw blurRad="38100" dist="38100" dir="2700000" algn="tl">
+                    <a:srgbClr val="000000">
+                      <a:alpha val="43137"/>
+                    </a:srgbClr>
+                  </a:outerShdw>
+                </a:effectLst>
+                <a:latin typeface="Consolas" pitchFamily="49" charset="0"/>
+                <a:cs typeface="Consolas" pitchFamily="49" charset="0"/>
+              </a:rPr>
+              <a:t>  print('*', </a:t>
+            </a:r>
+            <a:r>
+              <a:rPr lang="en-US" b="1" noProof="1">
+                <a:solidFill>
+                  <a:srgbClr val="FBEEE1"/>
+                </a:solidFill>
+                <a:effectLst>
+                  <a:outerShdw blurRad="38100" dist="38100" dir="2700000" algn="tl">
+                    <a:srgbClr val="000000">
+                      <a:alpha val="43137"/>
+                    </a:srgbClr>
+                  </a:outerShdw>
+                </a:effectLst>
+                <a:latin typeface="Consolas" pitchFamily="49" charset="0"/>
+                <a:cs typeface="Consolas" pitchFamily="49" charset="0"/>
+              </a:rPr>
+              <a:t>end='')</a:t>
+            </a:r>
+          </a:p>
+          <a:p>
+            <a:r>
+              <a:rPr lang="en-US" b="1" noProof="1" smtClean="0">
+                <a:solidFill>
+                  <a:srgbClr val="FBEEE1"/>
+                </a:solidFill>
+                <a:effectLst>
+                  <a:outerShdw blurRad="38100" dist="38100" dir="2700000" algn="tl">
+                    <a:srgbClr val="000000">
+                      <a:alpha val="43137"/>
+                    </a:srgbClr>
+                  </a:outerShdw>
+                </a:effectLst>
+                <a:latin typeface="Consolas" pitchFamily="49" charset="0"/>
+                <a:cs typeface="Consolas" pitchFamily="49" charset="0"/>
+              </a:rPr>
+              <a:t>  mid </a:t>
+            </a:r>
+            <a:r>
+              <a:rPr lang="en-US" b="1" noProof="1">
+                <a:solidFill>
+                  <a:srgbClr val="FBEEE1"/>
+                </a:solidFill>
+                <a:effectLst>
+                  <a:outerShdw blurRad="38100" dist="38100" dir="2700000" algn="tl">
+                    <a:srgbClr val="000000">
+                      <a:alpha val="43137"/>
+                    </a:srgbClr>
+                  </a:outerShdw>
+                </a:effectLst>
+                <a:latin typeface="Consolas" pitchFamily="49" charset="0"/>
+                <a:cs typeface="Consolas" pitchFamily="49" charset="0"/>
+              </a:rPr>
+              <a:t>= n - 2 * </a:t>
+            </a:r>
+            <a:r>
+              <a:rPr lang="en-US" b="1" noProof="1" smtClean="0">
+                <a:solidFill>
+                  <a:srgbClr val="FBEEE1"/>
+                </a:solidFill>
+                <a:effectLst>
+                  <a:outerShdw blurRad="38100" dist="38100" dir="2700000" algn="tl">
+                    <a:srgbClr val="000000">
+                      <a:alpha val="43137"/>
+                    </a:srgbClr>
+                  </a:outerShdw>
+                </a:effectLst>
+                <a:latin typeface="Consolas" pitchFamily="49" charset="0"/>
+                <a:cs typeface="Consolas" pitchFamily="49" charset="0"/>
+              </a:rPr>
+              <a:t>leftRight - 2</a:t>
+            </a:r>
+          </a:p>
+          <a:p>
             <a:endParaRPr lang="en-US" b="1" noProof="1">
               <a:solidFill>
                 <a:srgbClr val="FBEEE1"/>
@@ -19493,8 +19659,181 @@
                 <a:latin typeface="Consolas" pitchFamily="49" charset="0"/>
                 <a:cs typeface="Consolas" pitchFamily="49" charset="0"/>
               </a:rPr>
-              <a:t>  sys.stdout.write('*')</a:t>
-            </a:r>
+              <a:t>  </a:t>
+            </a:r>
+            <a:r>
+              <a:rPr lang="en-US" b="1" noProof="1">
+                <a:solidFill>
+                  <a:srgbClr val="FBEEE1"/>
+                </a:solidFill>
+                <a:effectLst>
+                  <a:outerShdw blurRad="38100" dist="38100" dir="2700000" algn="tl">
+                    <a:srgbClr val="000000">
+                      <a:alpha val="43137"/>
+                    </a:srgbClr>
+                  </a:outerShdw>
+                </a:effectLst>
+                <a:latin typeface="Consolas" pitchFamily="49" charset="0"/>
+                <a:cs typeface="Consolas" pitchFamily="49" charset="0"/>
+              </a:rPr>
+              <a:t>if </a:t>
+            </a:r>
+            <a:r>
+              <a:rPr lang="en-US" b="1" noProof="1" smtClean="0">
+                <a:solidFill>
+                  <a:srgbClr val="FBEEE1"/>
+                </a:solidFill>
+                <a:effectLst>
+                  <a:outerShdw blurRad="38100" dist="38100" dir="2700000" algn="tl">
+                    <a:srgbClr val="000000">
+                      <a:alpha val="43137"/>
+                    </a:srgbClr>
+                  </a:outerShdw>
+                </a:effectLst>
+                <a:latin typeface="Consolas" pitchFamily="49" charset="0"/>
+                <a:cs typeface="Consolas" pitchFamily="49" charset="0"/>
+              </a:rPr>
+              <a:t>mid </a:t>
+            </a:r>
+            <a:r>
+              <a:rPr lang="en-US" b="1" noProof="1">
+                <a:solidFill>
+                  <a:srgbClr val="FBEEE1"/>
+                </a:solidFill>
+                <a:effectLst>
+                  <a:outerShdw blurRad="38100" dist="38100" dir="2700000" algn="tl">
+                    <a:srgbClr val="000000">
+                      <a:alpha val="43137"/>
+                    </a:srgbClr>
+                  </a:outerShdw>
+                </a:effectLst>
+                <a:latin typeface="Consolas" pitchFamily="49" charset="0"/>
+                <a:cs typeface="Consolas" pitchFamily="49" charset="0"/>
+              </a:rPr>
+              <a:t>&gt;= </a:t>
+            </a:r>
+            <a:r>
+              <a:rPr lang="en-US" b="1" noProof="1" smtClean="0">
+                <a:solidFill>
+                  <a:srgbClr val="FBEEE1"/>
+                </a:solidFill>
+                <a:effectLst>
+                  <a:outerShdw blurRad="38100" dist="38100" dir="2700000" algn="tl">
+                    <a:srgbClr val="000000">
+                      <a:alpha val="43137"/>
+                    </a:srgbClr>
+                  </a:outerShdw>
+                </a:effectLst>
+                <a:latin typeface="Consolas" pitchFamily="49" charset="0"/>
+                <a:cs typeface="Consolas" pitchFamily="49" charset="0"/>
+              </a:rPr>
+              <a:t>0</a:t>
+            </a:r>
+            <a:r>
+              <a:rPr lang="en-US" b="1" noProof="1">
+                <a:solidFill>
+                  <a:srgbClr val="FBEEE1"/>
+                </a:solidFill>
+                <a:effectLst>
+                  <a:outerShdw blurRad="38100" dist="38100" dir="2700000" algn="tl">
+                    <a:srgbClr val="000000">
+                      <a:alpha val="43137"/>
+                    </a:srgbClr>
+                  </a:outerShdw>
+                </a:effectLst>
+                <a:latin typeface="Consolas" pitchFamily="49" charset="0"/>
+                <a:cs typeface="Consolas" pitchFamily="49" charset="0"/>
+              </a:rPr>
+              <a:t>:</a:t>
+            </a:r>
+          </a:p>
+          <a:p>
+            <a:r>
+              <a:rPr lang="en-US" b="1" noProof="1" smtClean="0">
+                <a:solidFill>
+                  <a:srgbClr val="FBEEE1"/>
+                </a:solidFill>
+                <a:effectLst>
+                  <a:outerShdw blurRad="38100" dist="38100" dir="2700000" algn="tl">
+                    <a:srgbClr val="000000">
+                      <a:alpha val="43137"/>
+                    </a:srgbClr>
+                  </a:outerShdw>
+                </a:effectLst>
+                <a:latin typeface="Consolas" pitchFamily="49" charset="0"/>
+                <a:cs typeface="Consolas" pitchFamily="49" charset="0"/>
+              </a:rPr>
+              <a:t>    print('-' * mid, </a:t>
+            </a:r>
+            <a:r>
+              <a:rPr lang="en-US" b="1" noProof="1">
+                <a:solidFill>
+                  <a:srgbClr val="FBEEE1"/>
+                </a:solidFill>
+                <a:effectLst>
+                  <a:outerShdw blurRad="38100" dist="38100" dir="2700000" algn="tl">
+                    <a:srgbClr val="000000">
+                      <a:alpha val="43137"/>
+                    </a:srgbClr>
+                  </a:outerShdw>
+                </a:effectLst>
+                <a:latin typeface="Consolas" pitchFamily="49" charset="0"/>
+                <a:cs typeface="Consolas" pitchFamily="49" charset="0"/>
+              </a:rPr>
+              <a:t>end='')</a:t>
+            </a:r>
+          </a:p>
+          <a:p>
+            <a:r>
+              <a:rPr lang="en-US" b="1" noProof="1" smtClean="0">
+                <a:solidFill>
+                  <a:srgbClr val="FBEEE1"/>
+                </a:solidFill>
+                <a:effectLst>
+                  <a:outerShdw blurRad="38100" dist="38100" dir="2700000" algn="tl">
+                    <a:srgbClr val="000000">
+                      <a:alpha val="43137"/>
+                    </a:srgbClr>
+                  </a:outerShdw>
+                </a:effectLst>
+                <a:latin typeface="Consolas" pitchFamily="49" charset="0"/>
+                <a:cs typeface="Consolas" pitchFamily="49" charset="0"/>
+              </a:rPr>
+              <a:t>    print('*', </a:t>
+            </a:r>
+            <a:r>
+              <a:rPr lang="en-US" b="1" noProof="1">
+                <a:solidFill>
+                  <a:srgbClr val="FBEEE1"/>
+                </a:solidFill>
+                <a:effectLst>
+                  <a:outerShdw blurRad="38100" dist="38100" dir="2700000" algn="tl">
+                    <a:srgbClr val="000000">
+                      <a:alpha val="43137"/>
+                    </a:srgbClr>
+                  </a:outerShdw>
+                </a:effectLst>
+                <a:latin typeface="Consolas" pitchFamily="49" charset="0"/>
+                <a:cs typeface="Consolas" pitchFamily="49" charset="0"/>
+              </a:rPr>
+              <a:t>end='')</a:t>
+            </a:r>
+            <a:endParaRPr lang="en-US" b="1" noProof="1" smtClean="0">
+              <a:solidFill>
+                <a:srgbClr val="FBEEE1"/>
+              </a:solidFill>
+              <a:effectLst>
+                <a:outerShdw blurRad="38100" dist="38100" dir="2700000" algn="tl">
+                  <a:srgbClr val="000000">
+                    <a:alpha val="43137"/>
+                  </a:srgbClr>
+                </a:outerShdw>
+              </a:effectLst>
+              <a:latin typeface="Consolas" pitchFamily="49" charset="0"/>
+              <a:cs typeface="Consolas" pitchFamily="49" charset="0"/>
+            </a:endParaRPr>
+          </a:p>
+          <a:p>
             <a:endParaRPr lang="en-US" b="1" noProof="1">
               <a:solidFill>
                 <a:srgbClr val="FBEEE1"/>
@@ -19526,10 +19865,10 @@
                 <a:latin typeface="Consolas" pitchFamily="49" charset="0"/>
                 <a:cs typeface="Consolas" pitchFamily="49" charset="0"/>
               </a:rPr>
-              <a:t>  mid </a:t>
-            </a:r>
-            <a:r>
-              <a:rPr lang="en-US" b="1" noProof="1">
+              <a:t>  print('-' * leftRight</a:t>
+            </a:r>
+            <a:r>
+              <a:rPr lang="bg-BG" b="1" noProof="1">
                 <a:solidFill>
                   <a:srgbClr val="FBEEE1"/>
                 </a:solidFill>
@@ -19543,231 +19882,7 @@
                 <a:latin typeface="Consolas" pitchFamily="49" charset="0"/>
                 <a:cs typeface="Consolas" pitchFamily="49" charset="0"/>
               </a:rPr>
-              <a:t>= n - 2 * </a:t>
-            </a:r>
-            <a:r>
-              <a:rPr lang="en-US" b="1" noProof="1" smtClean="0">
-                <a:solidFill>
-                  <a:srgbClr val="FBEEE1"/>
-                </a:solidFill>
-                <a:effectLst>
-                  <a:outerShdw blurRad="38100" dist="38100" dir="2700000" algn="tl">
-                    <a:srgbClr val="000000">
-                      <a:alpha val="43137"/>
-                    </a:srgbClr>
-                  </a:outerShdw>
-                </a:effectLst>
-                <a:latin typeface="Consolas" pitchFamily="49" charset="0"/>
-                <a:cs typeface="Consolas" pitchFamily="49" charset="0"/>
-              </a:rPr>
-              <a:t>leftRight – 2</a:t>
-            </a:r>
-          </a:p>
-          <a:p>
-            <a:endParaRPr lang="en-US" b="1" noProof="1">
-              <a:solidFill>
-                <a:srgbClr val="FBEEE1"/>
-              </a:solidFill>
-              <a:effectLst>
-                <a:outerShdw blurRad="38100" dist="38100" dir="2700000" algn="tl">
-                  <a:srgbClr val="000000">
-                    <a:alpha val="43137"/>
-                  </a:srgbClr>
-                </a:outerShdw>
-              </a:effectLst>
-              <a:latin typeface="Consolas" pitchFamily="49" charset="0"/>
-              <a:cs typeface="Consolas" pitchFamily="49" charset="0"/>
-            </a:endParaRPr>
-          </a:p>
-          <a:p>
-            <a:r>
-              <a:rPr lang="en-US" b="1" noProof="1" smtClean="0">
-                <a:solidFill>
-                  <a:srgbClr val="FBEEE1"/>
-                </a:solidFill>
-                <a:effectLst>
-                  <a:outerShdw blurRad="38100" dist="38100" dir="2700000" algn="tl">
-                    <a:srgbClr val="000000">
-                      <a:alpha val="43137"/>
-                    </a:srgbClr>
-                  </a:outerShdw>
-                </a:effectLst>
-                <a:latin typeface="Consolas" pitchFamily="49" charset="0"/>
-                <a:cs typeface="Consolas" pitchFamily="49" charset="0"/>
-              </a:rPr>
-              <a:t>  </a:t>
-            </a:r>
-            <a:r>
-              <a:rPr lang="en-US" b="1" noProof="1">
-                <a:solidFill>
-                  <a:srgbClr val="FBEEE1"/>
-                </a:solidFill>
-                <a:effectLst>
-                  <a:outerShdw blurRad="38100" dist="38100" dir="2700000" algn="tl">
-                    <a:srgbClr val="000000">
-                      <a:alpha val="43137"/>
-                    </a:srgbClr>
-                  </a:outerShdw>
-                </a:effectLst>
-                <a:latin typeface="Consolas" pitchFamily="49" charset="0"/>
-                <a:cs typeface="Consolas" pitchFamily="49" charset="0"/>
-              </a:rPr>
-              <a:t>if </a:t>
-            </a:r>
-            <a:r>
-              <a:rPr lang="en-US" b="1" noProof="1" smtClean="0">
-                <a:solidFill>
-                  <a:srgbClr val="FBEEE1"/>
-                </a:solidFill>
-                <a:effectLst>
-                  <a:outerShdw blurRad="38100" dist="38100" dir="2700000" algn="tl">
-                    <a:srgbClr val="000000">
-                      <a:alpha val="43137"/>
-                    </a:srgbClr>
-                  </a:outerShdw>
-                </a:effectLst>
-                <a:latin typeface="Consolas" pitchFamily="49" charset="0"/>
-                <a:cs typeface="Consolas" pitchFamily="49" charset="0"/>
-              </a:rPr>
-              <a:t>mid </a:t>
-            </a:r>
-            <a:r>
-              <a:rPr lang="en-US" b="1" noProof="1">
-                <a:solidFill>
-                  <a:srgbClr val="FBEEE1"/>
-                </a:solidFill>
-                <a:effectLst>
-                  <a:outerShdw blurRad="38100" dist="38100" dir="2700000" algn="tl">
-                    <a:srgbClr val="000000">
-                      <a:alpha val="43137"/>
-                    </a:srgbClr>
-                  </a:outerShdw>
-                </a:effectLst>
-                <a:latin typeface="Consolas" pitchFamily="49" charset="0"/>
-                <a:cs typeface="Consolas" pitchFamily="49" charset="0"/>
-              </a:rPr>
-              <a:t>&gt;= </a:t>
-            </a:r>
-            <a:r>
-              <a:rPr lang="en-US" b="1" noProof="1" smtClean="0">
-                <a:solidFill>
-                  <a:srgbClr val="FBEEE1"/>
-                </a:solidFill>
-                <a:effectLst>
-                  <a:outerShdw blurRad="38100" dist="38100" dir="2700000" algn="tl">
-                    <a:srgbClr val="000000">
-                      <a:alpha val="43137"/>
-                    </a:srgbClr>
-                  </a:outerShdw>
-                </a:effectLst>
-                <a:latin typeface="Consolas" pitchFamily="49" charset="0"/>
-                <a:cs typeface="Consolas" pitchFamily="49" charset="0"/>
-              </a:rPr>
-              <a:t>0</a:t>
-            </a:r>
-            <a:r>
-              <a:rPr lang="en-US" b="1" noProof="1">
-                <a:solidFill>
-                  <a:srgbClr val="FBEEE1"/>
-                </a:solidFill>
-                <a:effectLst>
-                  <a:outerShdw blurRad="38100" dist="38100" dir="2700000" algn="tl">
-                    <a:srgbClr val="000000">
-                      <a:alpha val="43137"/>
-                    </a:srgbClr>
-                  </a:outerShdw>
-                </a:effectLst>
-                <a:latin typeface="Consolas" pitchFamily="49" charset="0"/>
-                <a:cs typeface="Consolas" pitchFamily="49" charset="0"/>
-              </a:rPr>
-              <a:t>:</a:t>
-            </a:r>
-          </a:p>
-          <a:p>
-            <a:r>
-              <a:rPr lang="en-US" b="1" noProof="1" smtClean="0">
-                <a:solidFill>
-                  <a:srgbClr val="FBEEE1"/>
-                </a:solidFill>
-                <a:effectLst>
-                  <a:outerShdw blurRad="38100" dist="38100" dir="2700000" algn="tl">
-                    <a:srgbClr val="000000">
-                      <a:alpha val="43137"/>
-                    </a:srgbClr>
-                  </a:outerShdw>
-                </a:effectLst>
-                <a:latin typeface="Consolas" pitchFamily="49" charset="0"/>
-                <a:cs typeface="Consolas" pitchFamily="49" charset="0"/>
-              </a:rPr>
-              <a:t>    sys.stdout.write('-' * mid)</a:t>
-            </a:r>
-            <a:endParaRPr lang="en-US" b="1" noProof="1">
-              <a:solidFill>
-                <a:srgbClr val="FBEEE1"/>
-              </a:solidFill>
-              <a:effectLst>
-                <a:outerShdw blurRad="38100" dist="38100" dir="2700000" algn="tl">
-                  <a:srgbClr val="000000">
-                    <a:alpha val="43137"/>
-                  </a:srgbClr>
-                </a:outerShdw>
-              </a:effectLst>
-              <a:latin typeface="Consolas" pitchFamily="49" charset="0"/>
-              <a:cs typeface="Consolas" pitchFamily="49" charset="0"/>
-            </a:endParaRPr>
-          </a:p>
-          <a:p>
-            <a:r>
-              <a:rPr lang="en-US" b="1" noProof="1" smtClean="0">
-                <a:solidFill>
-                  <a:srgbClr val="FBEEE1"/>
-                </a:solidFill>
-                <a:effectLst>
-                  <a:outerShdw blurRad="38100" dist="38100" dir="2700000" algn="tl">
-                    <a:srgbClr val="000000">
-                      <a:alpha val="43137"/>
-                    </a:srgbClr>
-                  </a:outerShdw>
-                </a:effectLst>
-                <a:latin typeface="Consolas" pitchFamily="49" charset="0"/>
-                <a:cs typeface="Consolas" pitchFamily="49" charset="0"/>
-              </a:rPr>
-              <a:t>    sys.stdout.write('*')</a:t>
-            </a:r>
-          </a:p>
-          <a:p>
-            <a:endParaRPr lang="en-US" b="1" noProof="1">
-              <a:solidFill>
-                <a:srgbClr val="FBEEE1"/>
-              </a:solidFill>
-              <a:effectLst>
-                <a:outerShdw blurRad="38100" dist="38100" dir="2700000" algn="tl">
-                  <a:srgbClr val="000000">
-                    <a:alpha val="43137"/>
-                  </a:srgbClr>
-                </a:outerShdw>
-              </a:effectLst>
-              <a:latin typeface="Consolas" pitchFamily="49" charset="0"/>
-              <a:cs typeface="Consolas" pitchFamily="49" charset="0"/>
-            </a:endParaRPr>
-          </a:p>
-          <a:p>
-            <a:r>
-              <a:rPr lang="en-US" b="1" noProof="1" smtClean="0">
-                <a:solidFill>
-                  <a:srgbClr val="FBEEE1"/>
-                </a:solidFill>
-                <a:effectLst>
-                  <a:outerShdw blurRad="38100" dist="38100" dir="2700000" algn="tl">
-                    <a:srgbClr val="000000">
-                      <a:alpha val="43137"/>
-                    </a:srgbClr>
-                  </a:outerShdw>
-                </a:effectLst>
-                <a:latin typeface="Consolas" pitchFamily="49" charset="0"/>
-                <a:cs typeface="Consolas" pitchFamily="49" charset="0"/>
-              </a:rPr>
-              <a:t>  print('-' * leftRight)</a:t>
+              <a:t>)</a:t>
             </a:r>
             <a:endParaRPr lang="en-US" b="1" noProof="1">
               <a:solidFill>
@@ -19942,7 +20057,7 @@
         </p:nvSpPr>
         <p:spPr bwMode="auto">
           <a:xfrm>
-            <a:off x="9192854" y="3175716"/>
+            <a:off x="9192854" y="3490567"/>
             <a:ext cx="1949700" cy="1929783"/>
           </a:xfrm>
           <a:prstGeom prst="rect">
@@ -19982,6 +20097,23 @@
             <a:r>
               <a:rPr lang="en-US" sz="2800" b="1" noProof="1" smtClean="0">
                 <a:solidFill>
+                  <a:srgbClr val="FBEEDC"/>
+                </a:solidFill>
+                <a:effectLst>
+                  <a:outerShdw blurRad="38100" dist="38100" dir="2700000" algn="tl">
+                    <a:srgbClr val="000000">
+                      <a:alpha val="43137"/>
+                    </a:srgbClr>
+                  </a:outerShdw>
+                </a:effectLst>
+                <a:latin typeface="Consolas" pitchFamily="49" charset="0"/>
+                <a:cs typeface="Consolas" pitchFamily="49" charset="0"/>
+              </a:rPr>
+              <a:t>-</a:t>
+            </a:r>
+            <a:r>
+              <a:rPr lang="en-US" sz="2800" b="1" noProof="1" smtClean="0">
+                <a:solidFill>
                   <a:schemeClr val="tx2">
                     <a:lumMod val="75000"/>
                   </a:schemeClr>
@@ -20013,7 +20145,7 @@
                 <a:latin typeface="Consolas" pitchFamily="49" charset="0"/>
                 <a:cs typeface="Consolas" pitchFamily="49" charset="0"/>
               </a:rPr>
-              <a:t>-----</a:t>
+              <a:t>---</a:t>
             </a:r>
             <a:r>
               <a:rPr lang="en-US" sz="2800" b="1" noProof="1" smtClean="0">
@@ -20034,11 +20166,26 @@
               </a:rPr>
               <a:t>*</a:t>
             </a:r>
+            <a:r>
+              <a:rPr lang="en-US" sz="2800" b="1" noProof="1" smtClean="0">
+                <a:solidFill>
+                  <a:srgbClr val="FBEEDC"/>
+                </a:solidFill>
+                <a:effectLst>
+                  <a:outerShdw blurRad="38100" dist="38100" dir="2700000" algn="tl">
+                    <a:srgbClr val="000000">
+                      <a:alpha val="43137"/>
+                    </a:srgbClr>
+                  </a:outerShdw>
+                </a:effectLst>
+                <a:latin typeface="Consolas" pitchFamily="49" charset="0"/>
+                <a:cs typeface="Consolas" pitchFamily="49" charset="0"/>
+              </a:rPr>
+              <a:t>-</a:t>
+            </a:r>
             <a:endParaRPr lang="en-US" sz="2800" b="1" noProof="1">
               <a:solidFill>
-                <a:schemeClr val="tx2">
-                  <a:lumMod val="75000"/>
-                </a:schemeClr>
+                <a:srgbClr val="FBEEDC"/>
               </a:solidFill>
               <a:effectLst>
                 <a:outerShdw blurRad="38100" dist="38100" dir="2700000" algn="tl">
@@ -20050,106 +20197,6 @@
               <a:latin typeface="Consolas" pitchFamily="49" charset="0"/>
               <a:cs typeface="Consolas" pitchFamily="49" charset="0"/>
             </a:endParaRPr>
-          </a:p>
-          <a:p>
-            <a:pPr algn="ctr" eaLnBrk="0" hangingPunct="0">
-              <a:buClr>
-                <a:schemeClr val="accent5">
-                  <a:lumMod val="40000"/>
-                  <a:lumOff val="60000"/>
-                </a:schemeClr>
-              </a:buClr>
-              <a:buSzPct val="70000"/>
-            </a:pPr>
-            <a:r>
-              <a:rPr lang="en-US" sz="2800" b="1" noProof="1">
-                <a:solidFill>
-                  <a:srgbClr val="FBEEDC"/>
-                </a:solidFill>
-                <a:effectLst>
-                  <a:outerShdw blurRad="38100" dist="38100" dir="2700000" algn="tl">
-                    <a:srgbClr val="000000">
-                      <a:alpha val="43137"/>
-                    </a:srgbClr>
-                  </a:outerShdw>
-                </a:effectLst>
-                <a:latin typeface="Consolas" pitchFamily="49" charset="0"/>
-                <a:cs typeface="Consolas" pitchFamily="49" charset="0"/>
-              </a:rPr>
-              <a:t>-</a:t>
-            </a:r>
-            <a:r>
-              <a:rPr lang="en-US" sz="2800" b="1" noProof="1">
-                <a:solidFill>
-                  <a:schemeClr val="tx2">
-                    <a:lumMod val="75000"/>
-                  </a:schemeClr>
-                </a:solidFill>
-                <a:effectLst>
-                  <a:outerShdw blurRad="38100" dist="38100" dir="2700000" algn="tl">
-                    <a:srgbClr val="000000">
-                      <a:alpha val="43137"/>
-                    </a:srgbClr>
-                  </a:outerShdw>
-                </a:effectLst>
-                <a:latin typeface="Consolas" pitchFamily="49" charset="0"/>
-                <a:cs typeface="Consolas" pitchFamily="49" charset="0"/>
-              </a:rPr>
-              <a:t>*</a:t>
-            </a:r>
-            <a:r>
-              <a:rPr lang="en-US" sz="2800" b="1" noProof="1">
-                <a:solidFill>
-                  <a:srgbClr val="FBEEDC"/>
-                </a:solidFill>
-                <a:effectLst>
-                  <a:outerShdw blurRad="38100" dist="38100" dir="2700000" algn="tl">
-                    <a:srgbClr val="000000">
-                      <a:alpha val="43137"/>
-                    </a:srgbClr>
-                  </a:outerShdw>
-                </a:effectLst>
-                <a:latin typeface="Consolas" pitchFamily="49" charset="0"/>
-                <a:cs typeface="Consolas" pitchFamily="49" charset="0"/>
-              </a:rPr>
-              <a:t>---</a:t>
-            </a:r>
-            <a:r>
-              <a:rPr lang="en-US" sz="2800" b="1" noProof="1">
-                <a:solidFill>
-                  <a:schemeClr val="tx2">
-                    <a:lumMod val="75000"/>
-                  </a:schemeClr>
-                </a:solidFill>
-                <a:effectLst>
-                  <a:outerShdw blurRad="38100" dist="38100" dir="2700000" algn="tl">
-                    <a:srgbClr val="000000">
-                      <a:alpha val="43137"/>
-                    </a:srgbClr>
-                  </a:outerShdw>
-                </a:effectLst>
-                <a:latin typeface="Consolas" pitchFamily="49" charset="0"/>
-                <a:cs typeface="Consolas" pitchFamily="49" charset="0"/>
-              </a:rPr>
-              <a:t>*</a:t>
-            </a:r>
-            <a:r>
-              <a:rPr lang="en-US" sz="2800" b="1" noProof="1">
-                <a:solidFill>
-                  <a:srgbClr val="FBEEDC"/>
-                </a:solidFill>
-                <a:effectLst>
-                  <a:outerShdw blurRad="38100" dist="38100" dir="2700000" algn="tl">
-                    <a:srgbClr val="000000">
-                      <a:alpha val="43137"/>
-                    </a:srgbClr>
-                  </a:outerShdw>
-                </a:effectLst>
-                <a:latin typeface="Consolas" pitchFamily="49" charset="0"/>
-                <a:cs typeface="Consolas" pitchFamily="49" charset="0"/>
-              </a:rPr>
-              <a:t>-</a:t>
-            </a:r>
           </a:p>
           <a:p>
             <a:pPr algn="ctr" eaLnBrk="0" hangingPunct="0">
@@ -20328,7 +20375,7 @@
         <p:spPr bwMode="auto">
           <a:xfrm>
             <a:off x="9192854" y="1447800"/>
-            <a:ext cx="1949700" cy="1437925"/>
+            <a:ext cx="1949700" cy="1905000"/>
           </a:xfrm>
           <a:prstGeom prst="rect">
             <a:avLst/>
@@ -20631,9 +20678,91 @@
               </a:rPr>
               <a:t>-</a:t>
             </a:r>
+            <a:endParaRPr lang="bg-BG" sz="2800" b="1" noProof="1" smtClean="0">
+              <a:solidFill>
+                <a:srgbClr val="FBEEDC"/>
+              </a:solidFill>
+              <a:effectLst>
+                <a:outerShdw blurRad="38100" dist="38100" dir="2700000" algn="tl">
+                  <a:srgbClr val="000000">
+                    <a:alpha val="43137"/>
+                  </a:srgbClr>
+                </a:outerShdw>
+              </a:effectLst>
+              <a:latin typeface="Consolas" pitchFamily="49" charset="0"/>
+              <a:cs typeface="Consolas" pitchFamily="49" charset="0"/>
+            </a:endParaRPr>
+          </a:p>
+          <a:p>
+            <a:pPr algn="ctr" eaLnBrk="0" hangingPunct="0">
+              <a:buClr>
+                <a:schemeClr val="accent5">
+                  <a:lumMod val="40000"/>
+                  <a:lumOff val="60000"/>
+                </a:schemeClr>
+              </a:buClr>
+              <a:buSzPct val="70000"/>
+            </a:pPr>
+            <a:r>
+              <a:rPr lang="en-US" sz="2800" b="1" noProof="1" smtClean="0">
+                <a:solidFill>
+                  <a:schemeClr val="tx2">
+                    <a:lumMod val="75000"/>
+                  </a:schemeClr>
+                </a:solidFill>
+                <a:effectLst>
+                  <a:outerShdw blurRad="38100" dist="38100" dir="2700000" algn="tl">
+                    <a:srgbClr val="000000">
+                      <a:alpha val="43137"/>
+                    </a:srgbClr>
+                  </a:outerShdw>
+                </a:effectLst>
+                <a:latin typeface="Consolas" pitchFamily="49" charset="0"/>
+                <a:cs typeface="Consolas" pitchFamily="49" charset="0"/>
+              </a:rPr>
+              <a:t>*</a:t>
+            </a:r>
+            <a:r>
+              <a:rPr lang="en-US" sz="2800" b="1" noProof="1" smtClean="0">
+                <a:solidFill>
+                  <a:srgbClr val="FBEEDC"/>
+                </a:solidFill>
+                <a:effectLst>
+                  <a:outerShdw blurRad="38100" dist="38100" dir="2700000" algn="tl">
+                    <a:srgbClr val="000000">
+                      <a:alpha val="43137"/>
+                    </a:srgbClr>
+                  </a:outerShdw>
+                </a:effectLst>
+                <a:latin typeface="Consolas" pitchFamily="49" charset="0"/>
+                <a:cs typeface="Consolas" pitchFamily="49" charset="0"/>
+              </a:rPr>
+              <a:t>-----</a:t>
+            </a:r>
+            <a:r>
+              <a:rPr lang="en-US" sz="2800" b="1" noProof="1" smtClean="0">
+                <a:solidFill>
+                  <a:schemeClr val="tx2">
+                    <a:lumMod val="75000"/>
+                  </a:schemeClr>
+                </a:solidFill>
+                <a:effectLst>
+                  <a:outerShdw blurRad="38100" dist="38100" dir="2700000" algn="tl">
+                    <a:srgbClr val="000000">
+                      <a:alpha val="43137"/>
+                    </a:srgbClr>
+                  </a:outerShdw>
+                </a:effectLst>
+                <a:latin typeface="Consolas" pitchFamily="49" charset="0"/>
+                <a:cs typeface="Consolas" pitchFamily="49" charset="0"/>
+              </a:rPr>
+              <a:t>*</a:t>
+            </a:r>
             <a:endParaRPr lang="en-US" sz="2800" b="1" noProof="1">
               <a:solidFill>
-                <a:srgbClr val="FBEEDC"/>
+                <a:schemeClr val="tx2">
+                  <a:lumMod val="75000"/>
+                </a:schemeClr>
               </a:solidFill>
               <a:effectLst>
                 <a:outerShdw blurRad="38100" dist="38100" dir="2700000" algn="tl">
@@ -21576,7 +21705,24 @@
                 <a:latin typeface="Consolas" pitchFamily="49" charset="0"/>
                 <a:cs typeface="Consolas" pitchFamily="49" charset="0"/>
               </a:rPr>
-              <a:t>   sys.stdout.write('</a:t>
+              <a:t>   </a:t>
+            </a:r>
+            <a:r>
+              <a:rPr lang="en-US" sz="3000" b="1" noProof="1" smtClean="0">
+                <a:solidFill>
+                  <a:srgbClr val="FBEEDC"/>
+                </a:solidFill>
+                <a:effectLst>
+                  <a:outerShdw blurRad="38100" dist="38100" dir="2700000" algn="tl">
+                    <a:srgbClr val="000000">
+                      <a:alpha val="43137"/>
+                    </a:srgbClr>
+                  </a:outerShdw>
+                </a:effectLst>
+                <a:latin typeface="Consolas" pitchFamily="49" charset="0"/>
+                <a:cs typeface="Consolas" pitchFamily="49" charset="0"/>
+              </a:rPr>
+              <a:t>print('</a:t>
             </a:r>
             <a:r>
               <a:rPr lang="en-US" sz="3000" b="1" noProof="1" smtClean="0">
@@ -21612,7 +21758,45 @@
                 <a:latin typeface="Consolas" pitchFamily="49" charset="0"/>
                 <a:cs typeface="Consolas" pitchFamily="49" charset="0"/>
               </a:rPr>
-              <a:t>')</a:t>
+              <a:t>'</a:t>
+            </a:r>
+            <a:r>
+              <a:rPr lang="en-US" sz="2800" b="1" noProof="1" smtClean="0">
+                <a:solidFill>
+                  <a:schemeClr val="tx2">
+                    <a:lumMod val="75000"/>
+                  </a:schemeClr>
+                </a:solidFill>
+                <a:effectLst>
+                  <a:outerShdw blurRad="38100" dist="38100" dir="2700000" algn="tl">
+                    <a:srgbClr val="000000">
+                      <a:alpha val="43137"/>
+                    </a:srgbClr>
+                  </a:outerShdw>
+                </a:effectLst>
+                <a:latin typeface="Consolas" pitchFamily="49" charset="0"/>
+                <a:cs typeface="Consolas" pitchFamily="49" charset="0"/>
+              </a:rPr>
+              <a:t>, </a:t>
+            </a:r>
+            <a:r>
+              <a:rPr lang="en-US" sz="2800" b="1" noProof="1">
+                <a:solidFill>
+                  <a:schemeClr val="tx2">
+                    <a:lumMod val="75000"/>
+                  </a:schemeClr>
+                </a:solidFill>
+                <a:effectLst>
+                  <a:outerShdw blurRad="38100" dist="38100" dir="2700000" algn="tl">
+                    <a:srgbClr val="000000">
+                      <a:alpha val="43137"/>
+                    </a:srgbClr>
+                  </a:outerShdw>
+                </a:effectLst>
+                <a:latin typeface="Consolas" pitchFamily="49" charset="0"/>
+                <a:cs typeface="Consolas" pitchFamily="49" charset="0"/>
+              </a:rPr>
+              <a:t>end='')</a:t>
             </a:r>
             <a:endParaRPr lang="en-US" sz="3000" b="1" noProof="1">
               <a:solidFill>
@@ -21738,7 +21922,41 @@
                 <a:latin typeface="Consolas" pitchFamily="49" charset="0"/>
                 <a:cs typeface="Consolas" pitchFamily="49" charset="0"/>
               </a:rPr>
-              <a:t>      sys.stdout.write('</a:t>
+              <a:t>      </a:t>
+            </a:r>
+            <a:r>
+              <a:rPr lang="en-US" sz="3000" b="1" noProof="1" smtClean="0">
+                <a:solidFill>
+                  <a:srgbClr val="FBEEDC"/>
+                </a:solidFill>
+                <a:effectLst>
+                  <a:outerShdw blurRad="38100" dist="38100" dir="2700000" algn="tl">
+                    <a:srgbClr val="000000">
+                      <a:alpha val="43137"/>
+                    </a:srgbClr>
+                  </a:outerShdw>
+                </a:effectLst>
+                <a:latin typeface="Consolas" pitchFamily="49" charset="0"/>
+                <a:cs typeface="Consolas" pitchFamily="49" charset="0"/>
+              </a:rPr>
+              <a:t>print</a:t>
+            </a:r>
+            <a:r>
+              <a:rPr lang="en-US" sz="3000" b="1" noProof="1" smtClean="0">
+                <a:solidFill>
+                  <a:srgbClr val="FBEEDC"/>
+                </a:solidFill>
+                <a:effectLst>
+                  <a:outerShdw blurRad="38100" dist="38100" dir="2700000" algn="tl">
+                    <a:srgbClr val="000000">
+                      <a:alpha val="43137"/>
+                    </a:srgbClr>
+                  </a:outerShdw>
+                </a:effectLst>
+                <a:latin typeface="Consolas" pitchFamily="49" charset="0"/>
+                <a:cs typeface="Consolas" pitchFamily="49" charset="0"/>
+              </a:rPr>
+              <a:t>('</a:t>
             </a:r>
             <a:r>
               <a:rPr lang="en-US" sz="3000" b="1" noProof="1" smtClean="0">
@@ -21774,7 +21992,26 @@
                 <a:latin typeface="Consolas" pitchFamily="49" charset="0"/>
                 <a:cs typeface="Consolas" pitchFamily="49" charset="0"/>
               </a:rPr>
-              <a:t>')</a:t>
+              <a:t>'</a:t>
+            </a:r>
+            <a:r>
+              <a:rPr lang="en-US" sz="2800" b="1" noProof="1">
+                <a:solidFill>
+                  <a:schemeClr val="tx2">
+                    <a:lumMod val="75000"/>
+                  </a:schemeClr>
+                </a:solidFill>
+                <a:effectLst>
+                  <a:outerShdw blurRad="38100" dist="38100" dir="2700000" algn="tl">
+                    <a:srgbClr val="000000">
+                      <a:alpha val="43137"/>
+                    </a:srgbClr>
+                  </a:outerShdw>
+                </a:effectLst>
+                <a:latin typeface="Consolas" pitchFamily="49" charset="0"/>
+                <a:cs typeface="Consolas" pitchFamily="49" charset="0"/>
+              </a:rPr>
+              <a:t>, end='')</a:t>
             </a:r>
             <a:endParaRPr lang="en-US" sz="3000" b="1" noProof="1">
               <a:solidFill>
@@ -21930,8 +22167,8 @@
         </p:nvSpPr>
         <p:spPr bwMode="auto">
           <a:xfrm>
-            <a:off x="815015" y="1619313"/>
-            <a:ext cx="6713944" cy="1292662"/>
+            <a:off x="755536" y="1901610"/>
+            <a:ext cx="6713944" cy="678006"/>
           </a:xfrm>
           <a:prstGeom prst="rect">
             <a:avLst/>
@@ -21987,24 +22224,10 @@
                 <a:latin typeface="Consolas" pitchFamily="49" charset="0"/>
                 <a:cs typeface="Consolas" pitchFamily="49" charset="0"/>
               </a:rPr>
-              <a:t>import sys</a:t>
-            </a:r>
-          </a:p>
-          <a:p>
-            <a:pPr eaLnBrk="0" hangingPunct="0">
-              <a:lnSpc>
-                <a:spcPct val="130000"/>
-              </a:lnSpc>
-              <a:buClr>
-                <a:schemeClr val="accent5">
-                  <a:lumMod val="40000"/>
-                  <a:lumOff val="60000"/>
-                </a:schemeClr>
-              </a:buClr>
-              <a:buSzPct val="70000"/>
-            </a:pPr>
-            <a:r>
-              <a:rPr lang="sv-SE" sz="3000" b="1" noProof="1" smtClean="0">
+              <a:t>print</a:t>
+            </a:r>
+            <a:r>
+              <a:rPr lang="en-US" sz="3000" b="1" noProof="1" smtClean="0">
                 <a:solidFill>
                   <a:schemeClr val="tx2">
                     <a:lumMod val="75000"/>
@@ -22020,10 +22243,44 @@
                 <a:latin typeface="Consolas" pitchFamily="49" charset="0"/>
                 <a:cs typeface="Consolas" pitchFamily="49" charset="0"/>
               </a:rPr>
-              <a:t>sys.stdout.write</a:t>
+              <a:t>(</a:t>
             </a:r>
             <a:r>
               <a:rPr lang="en-US" sz="3000" b="1" noProof="1" smtClean="0">
+                <a:solidFill>
+                  <a:srgbClr val="FBEEDC"/>
+                </a:solidFill>
+                <a:effectLst>
+                  <a:outerShdw blurRad="38100" dist="38100" dir="2700000" algn="tl">
+                    <a:srgbClr val="000000">
+                      <a:alpha val="43137"/>
+                    </a:srgbClr>
+                  </a:outerShdw>
+                </a:effectLst>
+                <a:latin typeface="Consolas" pitchFamily="49" charset="0"/>
+                <a:cs typeface="Consolas" pitchFamily="49" charset="0"/>
+              </a:rPr>
+              <a:t>'Some text</a:t>
+            </a:r>
+            <a:r>
+              <a:rPr lang="en-US" sz="3000" b="1" noProof="1" smtClean="0">
+                <a:solidFill>
+                  <a:srgbClr val="FBEEDC"/>
+                </a:solidFill>
+                <a:effectLst>
+                  <a:outerShdw blurRad="38100" dist="38100" dir="2700000" algn="tl">
+                    <a:srgbClr val="000000">
+                      <a:alpha val="43137"/>
+                    </a:srgbClr>
+                  </a:outerShdw>
+                </a:effectLst>
+                <a:latin typeface="Consolas" pitchFamily="49" charset="0"/>
+                <a:cs typeface="Consolas" pitchFamily="49" charset="0"/>
+              </a:rPr>
+              <a:t>'</a:t>
+            </a:r>
+            <a:r>
+              <a:rPr lang="en-US" sz="3200" b="1" noProof="1">
                 <a:solidFill>
                   <a:schemeClr val="tx2">
                     <a:lumMod val="75000"/>
@@ -22039,27 +22296,10 @@
                 <a:latin typeface="Consolas" pitchFamily="49" charset="0"/>
                 <a:cs typeface="Consolas" pitchFamily="49" charset="0"/>
               </a:rPr>
-              <a:t>(</a:t>
-            </a:r>
-            <a:r>
-              <a:rPr lang="en-US" sz="3000" b="1" noProof="1" smtClean="0">
-                <a:solidFill>
-                  <a:srgbClr val="FBEEDC"/>
-                </a:solidFill>
-                <a:effectLst>
-                  <a:outerShdw blurRad="38100" dist="38100" dir="2700000" algn="tl">
-                    <a:srgbClr val="000000">
-                      <a:alpha val="43137"/>
-                    </a:srgbClr>
-                  </a:outerShdw>
-                </a:effectLst>
-                <a:latin typeface="Consolas" pitchFamily="49" charset="0"/>
-                <a:cs typeface="Consolas" pitchFamily="49" charset="0"/>
-              </a:rPr>
-              <a:t>'Some text'</a:t>
-            </a:r>
-            <a:r>
-              <a:rPr lang="en-US" sz="3000" b="1" noProof="1" smtClean="0">
+              <a:t>, </a:t>
+            </a:r>
+            <a:r>
+              <a:rPr lang="en-US" sz="3200" b="1" noProof="1">
                 <a:solidFill>
                   <a:schemeClr val="tx2">
                     <a:lumMod val="75000"/>
@@ -22075,8 +22315,43 @@
                 <a:latin typeface="Consolas" pitchFamily="49" charset="0"/>
                 <a:cs typeface="Consolas" pitchFamily="49" charset="0"/>
               </a:rPr>
-              <a:t>)</a:t>
-            </a:r>
+              <a:t>end</a:t>
+            </a:r>
+            <a:r>
+              <a:rPr lang="en-US" sz="3200" b="1" noProof="1" smtClean="0">
+                <a:solidFill>
+                  <a:schemeClr val="tx2">
+                    <a:lumMod val="75000"/>
+                  </a:schemeClr>
+                </a:solidFill>
+                <a:effectLst>
+                  <a:outerShdw blurRad="38100" dist="38100" dir="2700000" algn="tl">
+                    <a:srgbClr val="000000">
+                      <a:alpha val="43137"/>
+                    </a:srgbClr>
+                  </a:outerShdw>
+                </a:effectLst>
+                <a:latin typeface="Consolas" pitchFamily="49" charset="0"/>
+                <a:cs typeface="Consolas" pitchFamily="49" charset="0"/>
+              </a:rPr>
+              <a:t>='')</a:t>
+            </a:r>
+            <a:endParaRPr lang="en-US" sz="3000" b="1" noProof="1" smtClean="0">
+              <a:solidFill>
+                <a:schemeClr val="tx2">
+                  <a:lumMod val="75000"/>
+                </a:schemeClr>
+              </a:solidFill>
+              <a:effectLst>
+                <a:outerShdw blurRad="38100" dist="38100" dir="2700000" algn="tl">
+                  <a:srgbClr val="000000">
+                    <a:alpha val="43137"/>
+                  </a:srgbClr>
+                </a:outerShdw>
+              </a:effectLst>
+              <a:latin typeface="Consolas" pitchFamily="49" charset="0"/>
+              <a:cs typeface="Consolas" pitchFamily="49" charset="0"/>
+            </a:endParaRPr>
           </a:p>
         </p:txBody>
       </p:sp>
@@ -24316,24 +24591,7 @@
               <a:buSzPct val="70000"/>
             </a:pPr>
             <a:r>
-              <a:rPr lang="en-US" sz="3000" b="1" noProof="1">
-                <a:solidFill>
-                  <a:srgbClr val="FBEEDC"/>
-                </a:solidFill>
-                <a:effectLst>
-                  <a:outerShdw blurRad="38100" dist="38100" dir="2700000" algn="tl">
-                    <a:srgbClr val="000000">
-                      <a:alpha val="43137"/>
-                    </a:srgbClr>
-                  </a:outerShdw>
-                </a:effectLst>
-                <a:latin typeface="Consolas" pitchFamily="49" charset="0"/>
-                <a:cs typeface="Consolas" pitchFamily="49" charset="0"/>
-              </a:rPr>
-              <a:t>int </a:t>
-            </a:r>
-            <a:r>
-              <a:rPr lang="en-US" sz="3000" b="1" noProof="1">
+              <a:rPr lang="en-US" sz="3000" b="1" noProof="1" smtClean="0">
                 <a:solidFill>
                   <a:schemeClr val="tx2">
                     <a:lumMod val="75000"/>
@@ -24352,6 +24610,23 @@
               <a:t>n</a:t>
             </a:r>
             <a:r>
+              <a:rPr lang="en-US" sz="3000" b="1" noProof="1" smtClean="0">
+                <a:solidFill>
+                  <a:srgbClr val="FBEEDC"/>
+                </a:solidFill>
+                <a:effectLst>
+                  <a:outerShdw blurRad="38100" dist="38100" dir="2700000" algn="tl">
+                    <a:srgbClr val="000000">
+                      <a:alpha val="43137"/>
+                    </a:srgbClr>
+                  </a:outerShdw>
+                </a:effectLst>
+                <a:latin typeface="Consolas" pitchFamily="49" charset="0"/>
+                <a:cs typeface="Consolas" pitchFamily="49" charset="0"/>
+              </a:rPr>
+              <a:t> </a:t>
+            </a:r>
+            <a:r>
               <a:rPr lang="en-US" sz="3000" b="1" noProof="1">
                 <a:solidFill>
                   <a:srgbClr val="FBEEDC"/>
@@ -24366,7 +24641,7 @@
                 <a:latin typeface="Consolas" pitchFamily="49" charset="0"/>
                 <a:cs typeface="Consolas" pitchFamily="49" charset="0"/>
               </a:rPr>
-              <a:t> = </a:t>
+              <a:t>= </a:t>
             </a:r>
             <a:r>
               <a:rPr lang="en-US" sz="3000" b="1" noProof="1" smtClean="0">
@@ -24961,8 +25236,8 @@
         </p:nvSpPr>
         <p:spPr bwMode="auto">
           <a:xfrm>
-            <a:off x="682625" y="3404286"/>
-            <a:ext cx="10820398" cy="2462213"/>
+            <a:off x="682625" y="3889062"/>
+            <a:ext cx="10820398" cy="1988237"/>
           </a:xfrm>
           <a:prstGeom prst="rect">
             <a:avLst/>
@@ -25018,39 +25293,6 @@
                 <a:latin typeface="Consolas" pitchFamily="49" charset="0"/>
                 <a:cs typeface="Consolas" pitchFamily="49" charset="0"/>
               </a:rPr>
-              <a:t>import sys</a:t>
-            </a:r>
-          </a:p>
-          <a:p>
-            <a:pPr eaLnBrk="0" hangingPunct="0">
-              <a:lnSpc>
-                <a:spcPct val="110000"/>
-              </a:lnSpc>
-              <a:buClr>
-                <a:schemeClr val="accent5">
-                  <a:lumMod val="40000"/>
-                  <a:lumOff val="60000"/>
-                </a:schemeClr>
-              </a:buClr>
-              <a:buSzPct val="70000"/>
-            </a:pPr>
-            <a:r>
-              <a:rPr lang="en-US" sz="2800" b="1" noProof="1" smtClean="0">
-                <a:solidFill>
-                  <a:schemeClr val="tx2">
-                    <a:lumMod val="75000"/>
-                  </a:schemeClr>
-                </a:solidFill>
-                <a:effectLst>
-                  <a:outerShdw blurRad="38100" dist="38100" dir="2700000" algn="tl">
-                    <a:srgbClr val="000000">
-                      <a:alpha val="43137"/>
-                    </a:srgbClr>
-                  </a:outerShdw>
-                </a:effectLst>
-                <a:latin typeface="Consolas" pitchFamily="49" charset="0"/>
-                <a:cs typeface="Consolas" pitchFamily="49" charset="0"/>
-              </a:rPr>
               <a:t>for</a:t>
             </a:r>
             <a:r>
@@ -25285,7 +25527,7 @@
                 <a:latin typeface="Consolas" pitchFamily="49" charset="0"/>
                 <a:cs typeface="Consolas" pitchFamily="49" charset="0"/>
               </a:rPr>
-              <a:t>      sys.stdout.write('*')</a:t>
+              <a:t>      print('*', end='')</a:t>
             </a:r>
             <a:endParaRPr lang="en-US" sz="2800" b="1" noProof="1">
               <a:solidFill>
@@ -25846,8 +26088,8 @@
         </p:nvSpPr>
         <p:spPr bwMode="auto">
           <a:xfrm>
-            <a:off x="760414" y="2281306"/>
-            <a:ext cx="10667998" cy="3410164"/>
+            <a:off x="760414" y="2518294"/>
+            <a:ext cx="10667998" cy="2936188"/>
           </a:xfrm>
           <a:prstGeom prst="rect">
             <a:avLst/>
@@ -25903,39 +26145,6 @@
                 <a:latin typeface="Consolas" pitchFamily="49" charset="0"/>
                 <a:cs typeface="Consolas" pitchFamily="49" charset="0"/>
               </a:rPr>
-              <a:t>import sys</a:t>
-            </a:r>
-          </a:p>
-          <a:p>
-            <a:pPr eaLnBrk="0" hangingPunct="0">
-              <a:lnSpc>
-                <a:spcPct val="110000"/>
-              </a:lnSpc>
-              <a:buClr>
-                <a:schemeClr val="accent5">
-                  <a:lumMod val="40000"/>
-                  <a:lumOff val="60000"/>
-                </a:schemeClr>
-              </a:buClr>
-              <a:buSzPct val="70000"/>
-            </a:pPr>
-            <a:r>
-              <a:rPr lang="en-US" sz="2800" b="1" noProof="1" smtClean="0">
-                <a:solidFill>
-                  <a:schemeClr val="tx2">
-                    <a:lumMod val="75000"/>
-                  </a:schemeClr>
-                </a:solidFill>
-                <a:effectLst>
-                  <a:outerShdw blurRad="38100" dist="38100" dir="2700000" algn="tl">
-                    <a:srgbClr val="000000">
-                      <a:alpha val="43137"/>
-                    </a:srgbClr>
-                  </a:outerShdw>
-                </a:effectLst>
-                <a:latin typeface="Consolas" pitchFamily="49" charset="0"/>
-                <a:cs typeface="Consolas" pitchFamily="49" charset="0"/>
-              </a:rPr>
               <a:t>n</a:t>
             </a:r>
             <a:r>
@@ -26166,27 +26375,41 @@
                 <a:latin typeface="Consolas" pitchFamily="49" charset="0"/>
                 <a:cs typeface="Consolas" pitchFamily="49" charset="0"/>
               </a:rPr>
+              <a:t>   print('*', end='')</a:t>
+            </a:r>
+          </a:p>
+          <a:p>
+            <a:pPr eaLnBrk="0" hangingPunct="0">
+              <a:lnSpc>
+                <a:spcPct val="110000"/>
+              </a:lnSpc>
+              <a:buClr>
+                <a:schemeClr val="accent5">
+                  <a:lumMod val="40000"/>
+                  <a:lumOff val="60000"/>
+                </a:schemeClr>
+              </a:buClr>
+              <a:buSzPct val="70000"/>
+            </a:pPr>
+            <a:r>
+              <a:rPr lang="en-US" sz="2800" b="1" noProof="1" smtClean="0">
+                <a:solidFill>
+                  <a:srgbClr val="FBEEDC"/>
+                </a:solidFill>
+                <a:effectLst>
+                  <a:outerShdw blurRad="38100" dist="38100" dir="2700000" algn="tl">
+                    <a:srgbClr val="000000">
+                      <a:alpha val="43137"/>
+                    </a:srgbClr>
+                  </a:outerShdw>
+                </a:effectLst>
+                <a:latin typeface="Consolas" pitchFamily="49" charset="0"/>
+                <a:cs typeface="Consolas" pitchFamily="49" charset="0"/>
+              </a:rPr>
               <a:t>   </a:t>
             </a:r>
             <a:r>
-              <a:rPr lang="en-US" sz="2800" b="1" noProof="1" smtClean="0">
-                <a:solidFill>
-                  <a:srgbClr val="FBEEDC"/>
-                </a:solidFill>
-                <a:effectLst>
-                  <a:outerShdw blurRad="38100" dist="38100" dir="2700000" algn="tl">
-                    <a:srgbClr val="000000">
-                      <a:alpha val="43137"/>
-                    </a:srgbClr>
-                  </a:outerShdw>
-                </a:effectLst>
-                <a:latin typeface="Consolas" pitchFamily="49" charset="0"/>
-                <a:cs typeface="Consolas" pitchFamily="49" charset="0"/>
-              </a:rPr>
-              <a:t>sys.stdout.write('</a:t>
-            </a:r>
-            <a:r>
-              <a:rPr lang="en-US" sz="2800" b="1" noProof="1" smtClean="0">
+              <a:rPr lang="en-US" sz="2800" b="1" noProof="1">
                 <a:solidFill>
                   <a:schemeClr val="tx2">
                     <a:lumMod val="75000"/>
@@ -26202,7 +26425,24 @@
                 <a:latin typeface="Consolas" pitchFamily="49" charset="0"/>
                 <a:cs typeface="Consolas" pitchFamily="49" charset="0"/>
               </a:rPr>
-              <a:t>*</a:t>
+              <a:t>for</a:t>
+            </a:r>
+            <a:r>
+              <a:rPr lang="en-US" sz="2800" b="1" noProof="1">
+                <a:solidFill>
+                  <a:srgbClr val="FBEEDC"/>
+                </a:solidFill>
+                <a:effectLst>
+                  <a:outerShdw blurRad="38100" dist="38100" dir="2700000" algn="tl">
+                    <a:srgbClr val="000000">
+                      <a:alpha val="43137"/>
+                    </a:srgbClr>
+                  </a:outerShdw>
+                </a:effectLst>
+                <a:latin typeface="Consolas" pitchFamily="49" charset="0"/>
+                <a:cs typeface="Consolas" pitchFamily="49" charset="0"/>
+              </a:rPr>
+              <a:t> </a:t>
             </a:r>
             <a:r>
               <a:rPr lang="en-US" sz="2800" b="1" noProof="1" smtClean="0">
@@ -26219,7 +26459,79 @@
                 <a:latin typeface="Consolas" pitchFamily="49" charset="0"/>
                 <a:cs typeface="Consolas" pitchFamily="49" charset="0"/>
               </a:rPr>
-              <a:t>')</a:t>
+              <a:t>c</a:t>
+            </a:r>
+            <a:r>
+              <a:rPr lang="en-US" sz="2800" b="1" noProof="1" smtClean="0">
+                <a:solidFill>
+                  <a:schemeClr val="tx2">
+                    <a:lumMod val="75000"/>
+                  </a:schemeClr>
+                </a:solidFill>
+                <a:effectLst>
+                  <a:outerShdw blurRad="38100" dist="38100" dir="2700000" algn="tl">
+                    <a:srgbClr val="000000">
+                      <a:alpha val="43137"/>
+                    </a:srgbClr>
+                  </a:outerShdw>
+                </a:effectLst>
+                <a:latin typeface="Consolas" pitchFamily="49" charset="0"/>
+                <a:cs typeface="Consolas" pitchFamily="49" charset="0"/>
+              </a:rPr>
+              <a:t> </a:t>
+            </a:r>
+            <a:r>
+              <a:rPr lang="en-US" sz="2800" b="1" noProof="1">
+                <a:solidFill>
+                  <a:schemeClr val="tx2">
+                    <a:lumMod val="75000"/>
+                  </a:schemeClr>
+                </a:solidFill>
+                <a:effectLst>
+                  <a:outerShdw blurRad="38100" dist="38100" dir="2700000" algn="tl">
+                    <a:srgbClr val="000000">
+                      <a:alpha val="43137"/>
+                    </a:srgbClr>
+                  </a:outerShdw>
+                </a:effectLst>
+                <a:latin typeface="Consolas" pitchFamily="49" charset="0"/>
+                <a:cs typeface="Consolas" pitchFamily="49" charset="0"/>
+              </a:rPr>
+              <a:t>in range</a:t>
+            </a:r>
+            <a:r>
+              <a:rPr lang="en-US" sz="2800" b="1" noProof="1">
+                <a:solidFill>
+                  <a:srgbClr val="FBEEDC"/>
+                </a:solidFill>
+                <a:effectLst>
+                  <a:outerShdw blurRad="38100" dist="38100" dir="2700000" algn="tl">
+                    <a:srgbClr val="000000">
+                      <a:alpha val="43137"/>
+                    </a:srgbClr>
+                  </a:outerShdw>
+                </a:effectLst>
+                <a:latin typeface="Consolas" pitchFamily="49" charset="0"/>
+                <a:cs typeface="Consolas" pitchFamily="49" charset="0"/>
+              </a:rPr>
+              <a:t>(n</a:t>
+            </a:r>
+            <a:r>
+              <a:rPr lang="en-US" sz="2800" b="1" noProof="1" smtClean="0">
+                <a:solidFill>
+                  <a:srgbClr val="FBEEDC"/>
+                </a:solidFill>
+                <a:effectLst>
+                  <a:outerShdw blurRad="38100" dist="38100" dir="2700000" algn="tl">
+                    <a:srgbClr val="000000">
+                      <a:alpha val="43137"/>
+                    </a:srgbClr>
+                  </a:outerShdw>
+                </a:effectLst>
+                <a:latin typeface="Consolas" pitchFamily="49" charset="0"/>
+                <a:cs typeface="Consolas" pitchFamily="49" charset="0"/>
+              </a:rPr>
+              <a:t>):</a:t>
             </a:r>
             <a:endParaRPr lang="en-US" sz="2800" b="1" noProof="1">
               <a:solidFill>
@@ -26264,26 +26576,41 @@
                 <a:latin typeface="Consolas" pitchFamily="49" charset="0"/>
                 <a:cs typeface="Consolas" pitchFamily="49" charset="0"/>
               </a:rPr>
-              <a:t>   </a:t>
+              <a:t>      </a:t>
             </a:r>
             <a:r>
               <a:rPr lang="en-US" sz="2800" b="1" noProof="1">
                 <a:solidFill>
-                  <a:schemeClr val="tx2">
-                    <a:lumMod val="75000"/>
-                  </a:schemeClr>
-                </a:solidFill>
-                <a:effectLst>
-                  <a:outerShdw blurRad="38100" dist="38100" dir="2700000" algn="tl">
-                    <a:srgbClr val="000000">
-                      <a:alpha val="43137"/>
-                    </a:srgbClr>
-                  </a:outerShdw>
-                </a:effectLst>
-                <a:latin typeface="Consolas" pitchFamily="49" charset="0"/>
-                <a:cs typeface="Consolas" pitchFamily="49" charset="0"/>
-              </a:rPr>
-              <a:t>for</a:t>
+                  <a:srgbClr val="FBEEDC"/>
+                </a:solidFill>
+                <a:effectLst>
+                  <a:outerShdw blurRad="38100" dist="38100" dir="2700000" algn="tl">
+                    <a:srgbClr val="000000">
+                      <a:alpha val="43137"/>
+                    </a:srgbClr>
+                  </a:outerShdw>
+                </a:effectLst>
+                <a:latin typeface="Consolas" pitchFamily="49" charset="0"/>
+                <a:cs typeface="Consolas" pitchFamily="49" charset="0"/>
+              </a:rPr>
+              <a:t>print</a:t>
+            </a:r>
+            <a:r>
+              <a:rPr lang="en-US" sz="2800" b="1" noProof="1" smtClean="0">
+                <a:solidFill>
+                  <a:srgbClr val="FBEEDC"/>
+                </a:solidFill>
+                <a:effectLst>
+                  <a:outerShdw blurRad="38100" dist="38100" dir="2700000" algn="tl">
+                    <a:srgbClr val="000000">
+                      <a:alpha val="43137"/>
+                    </a:srgbClr>
+                  </a:outerShdw>
+                </a:effectLst>
+                <a:latin typeface="Consolas" pitchFamily="49" charset="0"/>
+                <a:cs typeface="Consolas" pitchFamily="49" charset="0"/>
+              </a:rPr>
+              <a:t>(' *', </a:t>
             </a:r>
             <a:r>
               <a:rPr lang="en-US" sz="2800" b="1" noProof="1">
@@ -26300,192 +26627,8 @@
                 <a:latin typeface="Consolas" pitchFamily="49" charset="0"/>
                 <a:cs typeface="Consolas" pitchFamily="49" charset="0"/>
               </a:rPr>
-              <a:t> </a:t>
-            </a:r>
-            <a:r>
-              <a:rPr lang="en-US" sz="2800" b="1" noProof="1" smtClean="0">
-                <a:solidFill>
-                  <a:srgbClr val="FBEEDC"/>
-                </a:solidFill>
-                <a:effectLst>
-                  <a:outerShdw blurRad="38100" dist="38100" dir="2700000" algn="tl">
-                    <a:srgbClr val="000000">
-                      <a:alpha val="43137"/>
-                    </a:srgbClr>
-                  </a:outerShdw>
-                </a:effectLst>
-                <a:latin typeface="Consolas" pitchFamily="49" charset="0"/>
-                <a:cs typeface="Consolas" pitchFamily="49" charset="0"/>
-              </a:rPr>
-              <a:t>c</a:t>
-            </a:r>
-            <a:r>
-              <a:rPr lang="en-US" sz="2800" b="1" noProof="1" smtClean="0">
-                <a:solidFill>
-                  <a:schemeClr val="tx2">
-                    <a:lumMod val="75000"/>
-                  </a:schemeClr>
-                </a:solidFill>
-                <a:effectLst>
-                  <a:outerShdw blurRad="38100" dist="38100" dir="2700000" algn="tl">
-                    <a:srgbClr val="000000">
-                      <a:alpha val="43137"/>
-                    </a:srgbClr>
-                  </a:outerShdw>
-                </a:effectLst>
-                <a:latin typeface="Consolas" pitchFamily="49" charset="0"/>
-                <a:cs typeface="Consolas" pitchFamily="49" charset="0"/>
-              </a:rPr>
-              <a:t> </a:t>
-            </a:r>
-            <a:r>
-              <a:rPr lang="en-US" sz="2800" b="1" noProof="1">
-                <a:solidFill>
-                  <a:schemeClr val="tx2">
-                    <a:lumMod val="75000"/>
-                  </a:schemeClr>
-                </a:solidFill>
-                <a:effectLst>
-                  <a:outerShdw blurRad="38100" dist="38100" dir="2700000" algn="tl">
-                    <a:srgbClr val="000000">
-                      <a:alpha val="43137"/>
-                    </a:srgbClr>
-                  </a:outerShdw>
-                </a:effectLst>
-                <a:latin typeface="Consolas" pitchFamily="49" charset="0"/>
-                <a:cs typeface="Consolas" pitchFamily="49" charset="0"/>
-              </a:rPr>
-              <a:t>in range</a:t>
-            </a:r>
-            <a:r>
-              <a:rPr lang="en-US" sz="2800" b="1" noProof="1">
-                <a:solidFill>
-                  <a:srgbClr val="FBEEDC"/>
-                </a:solidFill>
-                <a:effectLst>
-                  <a:outerShdw blurRad="38100" dist="38100" dir="2700000" algn="tl">
-                    <a:srgbClr val="000000">
-                      <a:alpha val="43137"/>
-                    </a:srgbClr>
-                  </a:outerShdw>
-                </a:effectLst>
-                <a:latin typeface="Consolas" pitchFamily="49" charset="0"/>
-                <a:cs typeface="Consolas" pitchFamily="49" charset="0"/>
-              </a:rPr>
-              <a:t>(n</a:t>
-            </a:r>
-            <a:r>
-              <a:rPr lang="en-US" sz="2800" b="1" noProof="1" smtClean="0">
-                <a:solidFill>
-                  <a:srgbClr val="FBEEDC"/>
-                </a:solidFill>
-                <a:effectLst>
-                  <a:outerShdw blurRad="38100" dist="38100" dir="2700000" algn="tl">
-                    <a:srgbClr val="000000">
-                      <a:alpha val="43137"/>
-                    </a:srgbClr>
-                  </a:outerShdw>
-                </a:effectLst>
-                <a:latin typeface="Consolas" pitchFamily="49" charset="0"/>
-                <a:cs typeface="Consolas" pitchFamily="49" charset="0"/>
-              </a:rPr>
-              <a:t>):</a:t>
-            </a:r>
-            <a:endParaRPr lang="en-US" sz="2800" b="1" noProof="1">
-              <a:solidFill>
-                <a:srgbClr val="FBEEDC"/>
-              </a:solidFill>
-              <a:effectLst>
-                <a:outerShdw blurRad="38100" dist="38100" dir="2700000" algn="tl">
-                  <a:srgbClr val="000000">
-                    <a:alpha val="43137"/>
-                  </a:srgbClr>
-                </a:outerShdw>
-              </a:effectLst>
-              <a:latin typeface="Consolas" pitchFamily="49" charset="0"/>
-              <a:cs typeface="Consolas" pitchFamily="49" charset="0"/>
-            </a:endParaRPr>
-          </a:p>
-          <a:p>
-            <a:pPr eaLnBrk="0" hangingPunct="0">
-              <a:lnSpc>
-                <a:spcPct val="110000"/>
-              </a:lnSpc>
-              <a:buClr>
-                <a:schemeClr val="accent5">
-                  <a:lumMod val="40000"/>
-                  <a:lumOff val="60000"/>
-                </a:schemeClr>
-              </a:buClr>
-              <a:buSzPct val="70000"/>
-            </a:pPr>
-            <a:r>
-              <a:rPr lang="en-US" sz="2800" b="1" noProof="1" smtClean="0">
-                <a:solidFill>
-                  <a:srgbClr val="FBEEDC"/>
-                </a:solidFill>
-                <a:effectLst>
-                  <a:outerShdw blurRad="38100" dist="38100" dir="2700000" algn="tl">
-                    <a:srgbClr val="000000">
-                      <a:alpha val="43137"/>
-                    </a:srgbClr>
-                  </a:outerShdw>
-                </a:effectLst>
-                <a:latin typeface="Consolas" pitchFamily="49" charset="0"/>
-                <a:cs typeface="Consolas" pitchFamily="49" charset="0"/>
-              </a:rPr>
-              <a:t>      sys.stdout.write('</a:t>
-            </a:r>
-            <a:r>
-              <a:rPr lang="en-US" sz="2800" b="1" noProof="1" smtClean="0">
-                <a:solidFill>
-                  <a:schemeClr val="tx2">
-                    <a:lumMod val="75000"/>
-                  </a:schemeClr>
-                </a:solidFill>
-                <a:effectLst>
-                  <a:outerShdw blurRad="38100" dist="38100" dir="2700000" algn="tl">
-                    <a:srgbClr val="000000">
-                      <a:alpha val="43137"/>
-                    </a:srgbClr>
-                  </a:outerShdw>
-                </a:effectLst>
-                <a:latin typeface="Consolas" pitchFamily="49" charset="0"/>
-                <a:cs typeface="Consolas" pitchFamily="49" charset="0"/>
-              </a:rPr>
-              <a:t> *</a:t>
-            </a:r>
-            <a:r>
-              <a:rPr lang="en-US" sz="2800" b="1" noProof="1" smtClean="0">
-                <a:solidFill>
-                  <a:srgbClr val="FBEEDC"/>
-                </a:solidFill>
-                <a:effectLst>
-                  <a:outerShdw blurRad="38100" dist="38100" dir="2700000" algn="tl">
-                    <a:srgbClr val="000000">
-                      <a:alpha val="43137"/>
-                    </a:srgbClr>
-                  </a:outerShdw>
-                </a:effectLst>
-                <a:latin typeface="Consolas" pitchFamily="49" charset="0"/>
-                <a:cs typeface="Consolas" pitchFamily="49" charset="0"/>
-              </a:rPr>
-              <a:t>')</a:t>
-            </a:r>
-            <a:endParaRPr lang="en-US" sz="2800" b="1" noProof="1">
-              <a:solidFill>
-                <a:srgbClr val="FBEEDC"/>
-              </a:solidFill>
-              <a:effectLst>
-                <a:outerShdw blurRad="38100" dist="38100" dir="2700000" algn="tl">
-                  <a:srgbClr val="000000">
-                    <a:alpha val="43137"/>
-                  </a:srgbClr>
-                </a:outerShdw>
-              </a:effectLst>
-              <a:latin typeface="Consolas" pitchFamily="49" charset="0"/>
-              <a:cs typeface="Consolas" pitchFamily="49" charset="0"/>
-            </a:endParaRPr>
+              <a:t>end='')</a:t>
+            </a:r>
           </a:p>
           <a:p>
             <a:pPr eaLnBrk="0" hangingPunct="0">
@@ -27109,7 +27252,7 @@
         <p:spPr bwMode="auto">
           <a:xfrm>
             <a:off x="3447184" y="2261901"/>
-            <a:ext cx="7888200" cy="3410164"/>
+            <a:ext cx="7888200" cy="2936188"/>
           </a:xfrm>
           <a:prstGeom prst="rect">
             <a:avLst/>
@@ -27165,39 +27308,6 @@
                 <a:latin typeface="Consolas" pitchFamily="49" charset="0"/>
                 <a:cs typeface="Consolas" pitchFamily="49" charset="0"/>
               </a:rPr>
-              <a:t>import sys</a:t>
-            </a:r>
-          </a:p>
-          <a:p>
-            <a:pPr eaLnBrk="0" hangingPunct="0">
-              <a:lnSpc>
-                <a:spcPct val="110000"/>
-              </a:lnSpc>
-              <a:buClr>
-                <a:schemeClr val="accent5">
-                  <a:lumMod val="40000"/>
-                  <a:lumOff val="60000"/>
-                </a:schemeClr>
-              </a:buClr>
-              <a:buSzPct val="70000"/>
-            </a:pPr>
-            <a:r>
-              <a:rPr lang="en-US" sz="2800" b="1" noProof="1" smtClean="0">
-                <a:solidFill>
-                  <a:schemeClr val="tx2">
-                    <a:lumMod val="75000"/>
-                  </a:schemeClr>
-                </a:solidFill>
-                <a:effectLst>
-                  <a:outerShdw blurRad="38100" dist="38100" dir="2700000" algn="tl">
-                    <a:srgbClr val="000000">
-                      <a:alpha val="43137"/>
-                    </a:srgbClr>
-                  </a:outerShdw>
-                </a:effectLst>
-                <a:latin typeface="Consolas" pitchFamily="49" charset="0"/>
-                <a:cs typeface="Consolas" pitchFamily="49" charset="0"/>
-              </a:rPr>
               <a:t>n</a:t>
             </a:r>
             <a:r>
@@ -27414,6 +27524,23 @@
               <a:buSzPct val="70000"/>
             </a:pPr>
             <a:r>
+              <a:rPr lang="bg-BG" sz="2800" b="1" noProof="1" smtClean="0">
+                <a:solidFill>
+                  <a:srgbClr val="FBEEDC"/>
+                </a:solidFill>
+                <a:effectLst>
+                  <a:outerShdw blurRad="38100" dist="38100" dir="2700000" algn="tl">
+                    <a:srgbClr val="000000">
+                      <a:alpha val="43137"/>
+                    </a:srgbClr>
+                  </a:outerShdw>
+                </a:effectLst>
+                <a:latin typeface="Consolas" pitchFamily="49" charset="0"/>
+                <a:cs typeface="Consolas" pitchFamily="49" charset="0"/>
+              </a:rPr>
+              <a:t>   </a:t>
+            </a:r>
+            <a:r>
               <a:rPr lang="en-US" sz="2800" b="1" noProof="1">
                 <a:solidFill>
                   <a:srgbClr val="FBEEDC"/>
@@ -27428,7 +27555,7 @@
                 <a:latin typeface="Consolas" pitchFamily="49" charset="0"/>
                 <a:cs typeface="Consolas" pitchFamily="49" charset="0"/>
               </a:rPr>
-              <a:t>   </a:t>
+              <a:t>print</a:t>
             </a:r>
             <a:r>
               <a:rPr lang="en-US" sz="2800" b="1" noProof="1" smtClean="0">
@@ -27445,8 +27572,39 @@
                 <a:latin typeface="Consolas" pitchFamily="49" charset="0"/>
                 <a:cs typeface="Consolas" pitchFamily="49" charset="0"/>
               </a:rPr>
-              <a:t>sys.stdout.write('</a:t>
-            </a:r>
+              <a:t>('$', </a:t>
+            </a:r>
+            <a:r>
+              <a:rPr lang="en-US" sz="2800" b="1" noProof="1">
+                <a:solidFill>
+                  <a:srgbClr val="FBEEDC"/>
+                </a:solidFill>
+                <a:effectLst>
+                  <a:outerShdw blurRad="38100" dist="38100" dir="2700000" algn="tl">
+                    <a:srgbClr val="000000">
+                      <a:alpha val="43137"/>
+                    </a:srgbClr>
+                  </a:outerShdw>
+                </a:effectLst>
+                <a:latin typeface="Consolas" pitchFamily="49" charset="0"/>
+                <a:cs typeface="Consolas" pitchFamily="49" charset="0"/>
+              </a:rPr>
+              <a:t>end='')</a:t>
+            </a:r>
+          </a:p>
+          <a:p>
+            <a:pPr eaLnBrk="0" hangingPunct="0">
+              <a:lnSpc>
+                <a:spcPct val="110000"/>
+              </a:lnSpc>
+              <a:buClr>
+                <a:schemeClr val="accent5">
+                  <a:lumMod val="40000"/>
+                  <a:lumOff val="60000"/>
+                </a:schemeClr>
+              </a:buClr>
+              <a:buSzPct val="70000"/>
+            </a:pPr>
             <a:r>
               <a:rPr lang="en-US" sz="2800" b="1" noProof="1" smtClean="0">
                 <a:solidFill>
@@ -27464,7 +27622,7 @@
                 <a:latin typeface="Consolas" pitchFamily="49" charset="0"/>
                 <a:cs typeface="Consolas" pitchFamily="49" charset="0"/>
               </a:rPr>
-              <a:t>$</a:t>
+              <a:t>   for</a:t>
             </a:r>
             <a:r>
               <a:rPr lang="en-US" sz="2800" b="1" noProof="1" smtClean="0">
@@ -27481,7 +27639,79 @@
                 <a:latin typeface="Consolas" pitchFamily="49" charset="0"/>
                 <a:cs typeface="Consolas" pitchFamily="49" charset="0"/>
               </a:rPr>
-              <a:t>')</a:t>
+              <a:t> </a:t>
+            </a:r>
+            <a:r>
+              <a:rPr lang="en-US" sz="2800" b="1" noProof="1">
+                <a:solidFill>
+                  <a:srgbClr val="FBEEDC"/>
+                </a:solidFill>
+                <a:effectLst>
+                  <a:outerShdw blurRad="38100" dist="38100" dir="2700000" algn="tl">
+                    <a:srgbClr val="000000">
+                      <a:alpha val="43137"/>
+                    </a:srgbClr>
+                  </a:outerShdw>
+                </a:effectLst>
+                <a:latin typeface="Consolas" pitchFamily="49" charset="0"/>
+                <a:cs typeface="Consolas" pitchFamily="49" charset="0"/>
+              </a:rPr>
+              <a:t>col </a:t>
+            </a:r>
+            <a:r>
+              <a:rPr lang="en-US" sz="2800" b="1" noProof="1">
+                <a:solidFill>
+                  <a:schemeClr val="tx2">
+                    <a:lumMod val="75000"/>
+                  </a:schemeClr>
+                </a:solidFill>
+                <a:effectLst>
+                  <a:outerShdw blurRad="38100" dist="38100" dir="2700000" algn="tl">
+                    <a:srgbClr val="000000">
+                      <a:alpha val="43137"/>
+                    </a:srgbClr>
+                  </a:outerShdw>
+                </a:effectLst>
+                <a:latin typeface="Consolas" pitchFamily="49" charset="0"/>
+                <a:cs typeface="Consolas" pitchFamily="49" charset="0"/>
+              </a:rPr>
+              <a:t>in </a:t>
+            </a:r>
+            <a:r>
+              <a:rPr lang="en-US" sz="2800" b="1" noProof="1" smtClean="0">
+                <a:solidFill>
+                  <a:schemeClr val="tx2">
+                    <a:lumMod val="75000"/>
+                  </a:schemeClr>
+                </a:solidFill>
+                <a:effectLst>
+                  <a:outerShdw blurRad="38100" dist="38100" dir="2700000" algn="tl">
+                    <a:srgbClr val="000000">
+                      <a:alpha val="43137"/>
+                    </a:srgbClr>
+                  </a:outerShdw>
+                </a:effectLst>
+                <a:latin typeface="Consolas" pitchFamily="49" charset="0"/>
+                <a:cs typeface="Consolas" pitchFamily="49" charset="0"/>
+              </a:rPr>
+              <a:t>range</a:t>
+            </a:r>
+            <a:r>
+              <a:rPr lang="en-US" sz="2800" b="1" noProof="1" smtClean="0">
+                <a:solidFill>
+                  <a:srgbClr val="FBEEDC"/>
+                </a:solidFill>
+                <a:effectLst>
+                  <a:outerShdw blurRad="38100" dist="38100" dir="2700000" algn="tl">
+                    <a:srgbClr val="000000">
+                      <a:alpha val="43137"/>
+                    </a:srgbClr>
+                  </a:outerShdw>
+                </a:effectLst>
+                <a:latin typeface="Consolas" pitchFamily="49" charset="0"/>
+                <a:cs typeface="Consolas" pitchFamily="49" charset="0"/>
+              </a:rPr>
+              <a:t>(row):</a:t>
             </a:r>
             <a:endParaRPr lang="en-US" sz="2800" b="1" noProof="1">
               <a:solidFill>
@@ -27512,23 +27742,72 @@
               <a:buSzPct val="70000"/>
             </a:pPr>
             <a:r>
+              <a:rPr lang="bg-BG" sz="2800" b="1" noProof="1">
+                <a:solidFill>
+                  <a:srgbClr val="FBEEDC"/>
+                </a:solidFill>
+                <a:effectLst>
+                  <a:outerShdw blurRad="38100" dist="38100" dir="2700000" algn="tl">
+                    <a:srgbClr val="000000">
+                      <a:alpha val="43137"/>
+                    </a:srgbClr>
+                  </a:outerShdw>
+                </a:effectLst>
+                <a:latin typeface="Consolas" pitchFamily="49" charset="0"/>
+                <a:cs typeface="Consolas" pitchFamily="49" charset="0"/>
+              </a:rPr>
+              <a:t> </a:t>
+            </a:r>
+            <a:r>
+              <a:rPr lang="en-US" sz="2800" b="1" noProof="1">
+                <a:solidFill>
+                  <a:srgbClr val="FBEEDC"/>
+                </a:solidFill>
+                <a:effectLst>
+                  <a:outerShdw blurRad="38100" dist="38100" dir="2700000" algn="tl">
+                    <a:srgbClr val="000000">
+                      <a:alpha val="43137"/>
+                    </a:srgbClr>
+                  </a:outerShdw>
+                </a:effectLst>
+                <a:latin typeface="Consolas" pitchFamily="49" charset="0"/>
+                <a:cs typeface="Consolas" pitchFamily="49" charset="0"/>
+              </a:rPr>
+              <a:t> </a:t>
+            </a:r>
+            <a:r>
               <a:rPr lang="en-US" sz="2800" b="1" noProof="1" smtClean="0">
                 <a:solidFill>
-                  <a:schemeClr val="tx2">
-                    <a:lumMod val="75000"/>
-                  </a:schemeClr>
-                </a:solidFill>
-                <a:effectLst>
-                  <a:outerShdw blurRad="38100" dist="38100" dir="2700000" algn="tl">
-                    <a:srgbClr val="000000">
-                      <a:alpha val="43137"/>
-                    </a:srgbClr>
-                  </a:outerShdw>
-                </a:effectLst>
-                <a:latin typeface="Consolas" pitchFamily="49" charset="0"/>
-                <a:cs typeface="Consolas" pitchFamily="49" charset="0"/>
-              </a:rPr>
-              <a:t>   for</a:t>
+                  <a:srgbClr val="FBEEDC"/>
+                </a:solidFill>
+                <a:effectLst>
+                  <a:outerShdw blurRad="38100" dist="38100" dir="2700000" algn="tl">
+                    <a:srgbClr val="000000">
+                      <a:alpha val="43137"/>
+                    </a:srgbClr>
+                  </a:outerShdw>
+                </a:effectLst>
+                <a:latin typeface="Consolas" pitchFamily="49" charset="0"/>
+                <a:cs typeface="Consolas" pitchFamily="49" charset="0"/>
+              </a:rPr>
+              <a:t>    print(' $', </a:t>
+            </a:r>
+            <a:r>
+              <a:rPr lang="en-US" sz="2800" b="1" noProof="1">
+                <a:solidFill>
+                  <a:srgbClr val="FBEEDC"/>
+                </a:solidFill>
+                <a:effectLst>
+                  <a:outerShdw blurRad="38100" dist="38100" dir="2700000" algn="tl">
+                    <a:srgbClr val="000000">
+                      <a:alpha val="43137"/>
+                    </a:srgbClr>
+                  </a:outerShdw>
+                </a:effectLst>
+                <a:latin typeface="Consolas" pitchFamily="49" charset="0"/>
+                <a:cs typeface="Consolas" pitchFamily="49" charset="0"/>
+              </a:rPr>
+              <a:t>end</a:t>
             </a:r>
             <a:r>
               <a:rPr lang="en-US" sz="2800" b="1" noProof="1" smtClean="0">
@@ -27545,175 +27824,8 @@
                 <a:latin typeface="Consolas" pitchFamily="49" charset="0"/>
                 <a:cs typeface="Consolas" pitchFamily="49" charset="0"/>
               </a:rPr>
-              <a:t> </a:t>
-            </a:r>
-            <a:r>
-              <a:rPr lang="en-US" sz="2800" b="1" noProof="1">
-                <a:solidFill>
-                  <a:srgbClr val="FBEEDC"/>
-                </a:solidFill>
-                <a:effectLst>
-                  <a:outerShdw blurRad="38100" dist="38100" dir="2700000" algn="tl">
-                    <a:srgbClr val="000000">
-                      <a:alpha val="43137"/>
-                    </a:srgbClr>
-                  </a:outerShdw>
-                </a:effectLst>
-                <a:latin typeface="Consolas" pitchFamily="49" charset="0"/>
-                <a:cs typeface="Consolas" pitchFamily="49" charset="0"/>
-              </a:rPr>
-              <a:t>col </a:t>
-            </a:r>
-            <a:r>
-              <a:rPr lang="en-US" sz="2800" b="1" noProof="1">
-                <a:solidFill>
-                  <a:schemeClr val="tx2">
-                    <a:lumMod val="75000"/>
-                  </a:schemeClr>
-                </a:solidFill>
-                <a:effectLst>
-                  <a:outerShdw blurRad="38100" dist="38100" dir="2700000" algn="tl">
-                    <a:srgbClr val="000000">
-                      <a:alpha val="43137"/>
-                    </a:srgbClr>
-                  </a:outerShdw>
-                </a:effectLst>
-                <a:latin typeface="Consolas" pitchFamily="49" charset="0"/>
-                <a:cs typeface="Consolas" pitchFamily="49" charset="0"/>
-              </a:rPr>
-              <a:t>in </a:t>
-            </a:r>
-            <a:r>
-              <a:rPr lang="en-US" sz="2800" b="1" noProof="1" smtClean="0">
-                <a:solidFill>
-                  <a:schemeClr val="tx2">
-                    <a:lumMod val="75000"/>
-                  </a:schemeClr>
-                </a:solidFill>
-                <a:effectLst>
-                  <a:outerShdw blurRad="38100" dist="38100" dir="2700000" algn="tl">
-                    <a:srgbClr val="000000">
-                      <a:alpha val="43137"/>
-                    </a:srgbClr>
-                  </a:outerShdw>
-                </a:effectLst>
-                <a:latin typeface="Consolas" pitchFamily="49" charset="0"/>
-                <a:cs typeface="Consolas" pitchFamily="49" charset="0"/>
-              </a:rPr>
-              <a:t>range</a:t>
-            </a:r>
-            <a:r>
-              <a:rPr lang="en-US" sz="2800" b="1" noProof="1" smtClean="0">
-                <a:solidFill>
-                  <a:srgbClr val="FBEEDC"/>
-                </a:solidFill>
-                <a:effectLst>
-                  <a:outerShdw blurRad="38100" dist="38100" dir="2700000" algn="tl">
-                    <a:srgbClr val="000000">
-                      <a:alpha val="43137"/>
-                    </a:srgbClr>
-                  </a:outerShdw>
-                </a:effectLst>
-                <a:latin typeface="Consolas" pitchFamily="49" charset="0"/>
-                <a:cs typeface="Consolas" pitchFamily="49" charset="0"/>
-              </a:rPr>
-              <a:t>(row):</a:t>
-            </a:r>
-            <a:endParaRPr lang="en-US" sz="2800" b="1" noProof="1">
-              <a:solidFill>
-                <a:srgbClr val="FBEEDC"/>
-              </a:solidFill>
-              <a:effectLst>
-                <a:outerShdw blurRad="38100" dist="38100" dir="2700000" algn="tl">
-                  <a:srgbClr val="000000">
-                    <a:alpha val="43137"/>
-                  </a:srgbClr>
-                </a:outerShdw>
-              </a:effectLst>
-              <a:latin typeface="Consolas" pitchFamily="49" charset="0"/>
-              <a:cs typeface="Consolas" pitchFamily="49" charset="0"/>
-            </a:endParaRPr>
-          </a:p>
-          <a:p>
-            <a:pPr eaLnBrk="0" hangingPunct="0">
-              <a:lnSpc>
-                <a:spcPct val="110000"/>
-              </a:lnSpc>
-              <a:buClr>
-                <a:schemeClr val="accent5">
-                  <a:lumMod val="40000"/>
-                  <a:lumOff val="60000"/>
-                </a:schemeClr>
-              </a:buClr>
-              <a:buSzPct val="70000"/>
-            </a:pPr>
-            <a:r>
-              <a:rPr lang="en-US" sz="2800" b="1" noProof="1" smtClean="0">
-                <a:solidFill>
-                  <a:srgbClr val="FBEEDC"/>
-                </a:solidFill>
-                <a:effectLst>
-                  <a:outerShdw blurRad="38100" dist="38100" dir="2700000" algn="tl">
-                    <a:srgbClr val="000000">
-                      <a:alpha val="43137"/>
-                    </a:srgbClr>
-                  </a:outerShdw>
-                </a:effectLst>
-                <a:latin typeface="Consolas" pitchFamily="49" charset="0"/>
-                <a:cs typeface="Consolas" pitchFamily="49" charset="0"/>
-              </a:rPr>
-              <a:t>      sys.stdout.write(' </a:t>
-            </a:r>
-            <a:r>
-              <a:rPr lang="en-US" sz="2800" b="1" noProof="1" smtClean="0">
-                <a:solidFill>
-                  <a:schemeClr val="tx2">
-                    <a:lumMod val="75000"/>
-                  </a:schemeClr>
-                </a:solidFill>
-                <a:effectLst>
-                  <a:outerShdw blurRad="38100" dist="38100" dir="2700000" algn="tl">
-                    <a:srgbClr val="000000">
-                      <a:alpha val="43137"/>
-                    </a:srgbClr>
-                  </a:outerShdw>
-                </a:effectLst>
-                <a:latin typeface="Consolas" pitchFamily="49" charset="0"/>
-                <a:cs typeface="Consolas" pitchFamily="49" charset="0"/>
-              </a:rPr>
-              <a:t>$</a:t>
-            </a:r>
-            <a:r>
-              <a:rPr lang="en-US" sz="2800" b="1" noProof="1" smtClean="0">
-                <a:solidFill>
-                  <a:srgbClr val="FBEEDC"/>
-                </a:solidFill>
-                <a:effectLst>
-                  <a:outerShdw blurRad="38100" dist="38100" dir="2700000" algn="tl">
-                    <a:srgbClr val="000000">
-                      <a:alpha val="43137"/>
-                    </a:srgbClr>
-                  </a:outerShdw>
-                </a:effectLst>
-                <a:latin typeface="Consolas" pitchFamily="49" charset="0"/>
-                <a:cs typeface="Consolas" pitchFamily="49" charset="0"/>
-              </a:rPr>
-              <a:t>')</a:t>
-            </a:r>
-            <a:endParaRPr lang="en-US" sz="2800" b="1" noProof="1">
-              <a:solidFill>
-                <a:srgbClr val="FBEEDC"/>
-              </a:solidFill>
-              <a:effectLst>
-                <a:outerShdw blurRad="38100" dist="38100" dir="2700000" algn="tl">
-                  <a:srgbClr val="000000">
-                    <a:alpha val="43137"/>
-                  </a:srgbClr>
-                </a:outerShdw>
-              </a:effectLst>
-              <a:latin typeface="Consolas" pitchFamily="49" charset="0"/>
-              <a:cs typeface="Consolas" pitchFamily="49" charset="0"/>
-            </a:endParaRPr>
+              <a:t>='')</a:t>
+            </a:r>
           </a:p>
           <a:p>
             <a:pPr eaLnBrk="0" hangingPunct="0">
@@ -28451,7 +28563,120 @@
                 <a:latin typeface="Consolas" pitchFamily="49" charset="0"/>
                 <a:cs typeface="Consolas" pitchFamily="49" charset="0"/>
               </a:rPr>
-              <a:t>sys.stdout.write('+')</a:t>
+              <a:t>print('</a:t>
+            </a:r>
+            <a:r>
+              <a:rPr lang="bg-BG" sz="2800" b="1" noProof="1" smtClean="0">
+                <a:solidFill>
+                  <a:srgbClr val="FBEEDC"/>
+                </a:solidFill>
+                <a:effectLst>
+                  <a:outerShdw blurRad="38100" dist="38100" dir="2700000" algn="tl">
+                    <a:srgbClr val="000000">
+                      <a:alpha val="43137"/>
+                    </a:srgbClr>
+                  </a:outerShdw>
+                </a:effectLst>
+                <a:latin typeface="Consolas" pitchFamily="49" charset="0"/>
+                <a:cs typeface="Consolas" pitchFamily="49" charset="0"/>
+              </a:rPr>
+              <a:t>+</a:t>
+            </a:r>
+            <a:r>
+              <a:rPr lang="en-US" sz="2800" b="1" noProof="1" smtClean="0">
+                <a:solidFill>
+                  <a:srgbClr val="FBEEDC"/>
+                </a:solidFill>
+                <a:effectLst>
+                  <a:outerShdw blurRad="38100" dist="38100" dir="2700000" algn="tl">
+                    <a:srgbClr val="000000">
+                      <a:alpha val="43137"/>
+                    </a:srgbClr>
+                  </a:outerShdw>
+                </a:effectLst>
+                <a:latin typeface="Consolas" pitchFamily="49" charset="0"/>
+                <a:cs typeface="Consolas" pitchFamily="49" charset="0"/>
+              </a:rPr>
+              <a:t>', </a:t>
+            </a:r>
+            <a:r>
+              <a:rPr lang="en-US" sz="2800" b="1" noProof="1">
+                <a:solidFill>
+                  <a:srgbClr val="FBEEDC"/>
+                </a:solidFill>
+                <a:effectLst>
+                  <a:outerShdw blurRad="38100" dist="38100" dir="2700000" algn="tl">
+                    <a:srgbClr val="000000">
+                      <a:alpha val="43137"/>
+                    </a:srgbClr>
+                  </a:outerShdw>
+                </a:effectLst>
+                <a:latin typeface="Consolas" pitchFamily="49" charset="0"/>
+                <a:cs typeface="Consolas" pitchFamily="49" charset="0"/>
+              </a:rPr>
+              <a:t>end</a:t>
+            </a:r>
+            <a:r>
+              <a:rPr lang="en-US" sz="2800" b="1" noProof="1" smtClean="0">
+                <a:solidFill>
+                  <a:srgbClr val="FBEEDC"/>
+                </a:solidFill>
+                <a:effectLst>
+                  <a:outerShdw blurRad="38100" dist="38100" dir="2700000" algn="tl">
+                    <a:srgbClr val="000000">
+                      <a:alpha val="43137"/>
+                    </a:srgbClr>
+                  </a:outerShdw>
+                </a:effectLst>
+                <a:latin typeface="Consolas" pitchFamily="49" charset="0"/>
+                <a:cs typeface="Consolas" pitchFamily="49" charset="0"/>
+              </a:rPr>
+              <a:t>='')</a:t>
+            </a:r>
+            <a:endParaRPr lang="bg-BG" sz="2800" b="1" noProof="1" smtClean="0">
+              <a:solidFill>
+                <a:srgbClr val="FBEEDC"/>
+              </a:solidFill>
+              <a:effectLst>
+                <a:outerShdw blurRad="38100" dist="38100" dir="2700000" algn="tl">
+                  <a:srgbClr val="000000">
+                    <a:alpha val="43137"/>
+                  </a:srgbClr>
+                </a:outerShdw>
+              </a:effectLst>
+              <a:latin typeface="Consolas" pitchFamily="49" charset="0"/>
+              <a:cs typeface="Consolas" pitchFamily="49" charset="0"/>
+            </a:endParaRPr>
+          </a:p>
+          <a:p>
+            <a:pPr eaLnBrk="0" hangingPunct="0">
+              <a:lnSpc>
+                <a:spcPct val="105000"/>
+              </a:lnSpc>
+              <a:buClr>
+                <a:schemeClr val="accent5">
+                  <a:lumMod val="40000"/>
+                  <a:lumOff val="60000"/>
+                </a:schemeClr>
+              </a:buClr>
+              <a:buSzPct val="70000"/>
+            </a:pPr>
+            <a:r>
+              <a:rPr lang="en-US" sz="2800" b="1" noProof="1" smtClean="0">
+                <a:solidFill>
+                  <a:srgbClr val="FBEEDC"/>
+                </a:solidFill>
+                <a:effectLst>
+                  <a:outerShdw blurRad="38100" dist="38100" dir="2700000" algn="tl">
+                    <a:srgbClr val="000000">
+                      <a:alpha val="43137"/>
+                    </a:srgbClr>
+                  </a:outerShdw>
+                </a:effectLst>
+                <a:latin typeface="Consolas" pitchFamily="49" charset="0"/>
+                <a:cs typeface="Consolas" pitchFamily="49" charset="0"/>
+              </a:rPr>
+              <a:t>for i in range(n-2):</a:t>
             </a:r>
             <a:endParaRPr lang="en-US" sz="2800" b="1" noProof="1">
               <a:solidFill>
@@ -28496,7 +28721,7 @@
                 <a:latin typeface="Consolas" pitchFamily="49" charset="0"/>
                 <a:cs typeface="Consolas" pitchFamily="49" charset="0"/>
               </a:rPr>
-              <a:t>for </a:t>
+              <a:t> </a:t>
             </a:r>
             <a:r>
               <a:rPr lang="en-US" sz="2800" b="1" noProof="1" smtClean="0">
@@ -28513,36 +28738,8 @@
                 <a:latin typeface="Consolas" pitchFamily="49" charset="0"/>
                 <a:cs typeface="Consolas" pitchFamily="49" charset="0"/>
               </a:rPr>
-              <a:t>i in range(n-2):</a:t>
-            </a:r>
-            <a:endParaRPr lang="en-US" sz="2800" b="1" noProof="1">
-              <a:solidFill>
-                <a:srgbClr val="FBEEDC"/>
-              </a:solidFill>
-              <a:effectLst>
-                <a:outerShdw blurRad="38100" dist="38100" dir="2700000" algn="tl">
-                  <a:srgbClr val="000000">
-                    <a:alpha val="43137"/>
-                  </a:srgbClr>
-                </a:outerShdw>
-              </a:effectLst>
-              <a:latin typeface="Consolas" pitchFamily="49" charset="0"/>
-              <a:cs typeface="Consolas" pitchFamily="49" charset="0"/>
-            </a:endParaRPr>
-          </a:p>
-          <a:p>
-            <a:pPr eaLnBrk="0" hangingPunct="0">
-              <a:lnSpc>
-                <a:spcPct val="105000"/>
-              </a:lnSpc>
-              <a:buClr>
-                <a:schemeClr val="accent5">
-                  <a:lumMod val="40000"/>
-                  <a:lumOff val="60000"/>
-                </a:schemeClr>
-              </a:buClr>
-              <a:buSzPct val="70000"/>
-            </a:pPr>
+              <a:t>   print(' -', </a:t>
+            </a:r>
             <a:r>
               <a:rPr lang="en-US" sz="2800" b="1" noProof="1">
                 <a:solidFill>
@@ -28558,7 +28755,7 @@
                 <a:latin typeface="Consolas" pitchFamily="49" charset="0"/>
                 <a:cs typeface="Consolas" pitchFamily="49" charset="0"/>
               </a:rPr>
-              <a:t>   </a:t>
+              <a:t>end</a:t>
             </a:r>
             <a:r>
               <a:rPr lang="en-US" sz="2800" b="1" noProof="1" smtClean="0">
@@ -28575,22 +28772,8 @@
                 <a:latin typeface="Consolas" pitchFamily="49" charset="0"/>
                 <a:cs typeface="Consolas" pitchFamily="49" charset="0"/>
               </a:rPr>
-              <a:t>sys.stdout.write(' -')</a:t>
-            </a:r>
-            <a:endParaRPr lang="en-US" sz="2800" b="1" noProof="1">
-              <a:solidFill>
-                <a:srgbClr val="FBEEDC"/>
-              </a:solidFill>
-              <a:effectLst>
-                <a:outerShdw blurRad="38100" dist="38100" dir="2700000" algn="tl">
-                  <a:srgbClr val="000000">
-                    <a:alpha val="43137"/>
-                  </a:srgbClr>
-                </a:outerShdw>
-              </a:effectLst>
-              <a:latin typeface="Consolas" pitchFamily="49" charset="0"/>
-              <a:cs typeface="Consolas" pitchFamily="49" charset="0"/>
-            </a:endParaRPr>
+              <a:t>='')</a:t>
+            </a:r>
           </a:p>
           <a:p>
             <a:pPr eaLnBrk="0" hangingPunct="0">
